--- a/background/images-source/sdc-generic-workflow.pptx
+++ b/background/images-source/sdc-generic-workflow.pptx
@@ -7,14 +7,14 @@
   <p:sldIdLst>
     <p:sldId id="256" r:id="rId5"/>
   </p:sldIdLst>
-  <p:sldSz cx="9540875" cy="11880850"/>
+  <p:sldSz cx="7380288" cy="11520488"/>
   <p:notesSz cx="6858000" cy="9144000"/>
   <p:defaultTextStyle>
     <a:defPPr>
       <a:defRPr lang="en-US"/>
     </a:defPPr>
-    <a:lvl1pPr marL="0" algn="l" defTabSz="799276" rtl="0" eaLnBrk="1" latinLnBrk="0" hangingPunct="1">
-      <a:defRPr sz="1600" kern="1200">
+    <a:lvl1pPr marL="0" algn="l" defTabSz="755955" rtl="0" eaLnBrk="1" latinLnBrk="0" hangingPunct="1">
+      <a:defRPr sz="1513" kern="1200">
         <a:solidFill>
           <a:schemeClr val="tx1"/>
         </a:solidFill>
@@ -23,8 +23,8 @@
         <a:cs typeface="+mn-cs"/>
       </a:defRPr>
     </a:lvl1pPr>
-    <a:lvl2pPr marL="399637" algn="l" defTabSz="799276" rtl="0" eaLnBrk="1" latinLnBrk="0" hangingPunct="1">
-      <a:defRPr sz="1600" kern="1200">
+    <a:lvl2pPr marL="377977" algn="l" defTabSz="755955" rtl="0" eaLnBrk="1" latinLnBrk="0" hangingPunct="1">
+      <a:defRPr sz="1513" kern="1200">
         <a:solidFill>
           <a:schemeClr val="tx1"/>
         </a:solidFill>
@@ -33,8 +33,8 @@
         <a:cs typeface="+mn-cs"/>
       </a:defRPr>
     </a:lvl2pPr>
-    <a:lvl3pPr marL="799276" algn="l" defTabSz="799276" rtl="0" eaLnBrk="1" latinLnBrk="0" hangingPunct="1">
-      <a:defRPr sz="1600" kern="1200">
+    <a:lvl3pPr marL="755955" algn="l" defTabSz="755955" rtl="0" eaLnBrk="1" latinLnBrk="0" hangingPunct="1">
+      <a:defRPr sz="1513" kern="1200">
         <a:solidFill>
           <a:schemeClr val="tx1"/>
         </a:solidFill>
@@ -43,8 +43,8 @@
         <a:cs typeface="+mn-cs"/>
       </a:defRPr>
     </a:lvl3pPr>
-    <a:lvl4pPr marL="1198911" algn="l" defTabSz="799276" rtl="0" eaLnBrk="1" latinLnBrk="0" hangingPunct="1">
-      <a:defRPr sz="1600" kern="1200">
+    <a:lvl4pPr marL="1133930" algn="l" defTabSz="755955" rtl="0" eaLnBrk="1" latinLnBrk="0" hangingPunct="1">
+      <a:defRPr sz="1513" kern="1200">
         <a:solidFill>
           <a:schemeClr val="tx1"/>
         </a:solidFill>
@@ -53,8 +53,8 @@
         <a:cs typeface="+mn-cs"/>
       </a:defRPr>
     </a:lvl4pPr>
-    <a:lvl5pPr marL="1598547" algn="l" defTabSz="799276" rtl="0" eaLnBrk="1" latinLnBrk="0" hangingPunct="1">
-      <a:defRPr sz="1600" kern="1200">
+    <a:lvl5pPr marL="1511906" algn="l" defTabSz="755955" rtl="0" eaLnBrk="1" latinLnBrk="0" hangingPunct="1">
+      <a:defRPr sz="1513" kern="1200">
         <a:solidFill>
           <a:schemeClr val="tx1"/>
         </a:solidFill>
@@ -63,8 +63,8 @@
         <a:cs typeface="+mn-cs"/>
       </a:defRPr>
     </a:lvl5pPr>
-    <a:lvl6pPr marL="1998185" algn="l" defTabSz="799276" rtl="0" eaLnBrk="1" latinLnBrk="0" hangingPunct="1">
-      <a:defRPr sz="1600" kern="1200">
+    <a:lvl6pPr marL="1889883" algn="l" defTabSz="755955" rtl="0" eaLnBrk="1" latinLnBrk="0" hangingPunct="1">
+      <a:defRPr sz="1513" kern="1200">
         <a:solidFill>
           <a:schemeClr val="tx1"/>
         </a:solidFill>
@@ -73,8 +73,8 @@
         <a:cs typeface="+mn-cs"/>
       </a:defRPr>
     </a:lvl6pPr>
-    <a:lvl7pPr marL="2397823" algn="l" defTabSz="799276" rtl="0" eaLnBrk="1" latinLnBrk="0" hangingPunct="1">
-      <a:defRPr sz="1600" kern="1200">
+    <a:lvl7pPr marL="2267861" algn="l" defTabSz="755955" rtl="0" eaLnBrk="1" latinLnBrk="0" hangingPunct="1">
+      <a:defRPr sz="1513" kern="1200">
         <a:solidFill>
           <a:schemeClr val="tx1"/>
         </a:solidFill>
@@ -83,8 +83,8 @@
         <a:cs typeface="+mn-cs"/>
       </a:defRPr>
     </a:lvl7pPr>
-    <a:lvl8pPr marL="2797462" algn="l" defTabSz="799276" rtl="0" eaLnBrk="1" latinLnBrk="0" hangingPunct="1">
-      <a:defRPr sz="1600" kern="1200">
+    <a:lvl8pPr marL="2645840" algn="l" defTabSz="755955" rtl="0" eaLnBrk="1" latinLnBrk="0" hangingPunct="1">
+      <a:defRPr sz="1513" kern="1200">
         <a:solidFill>
           <a:schemeClr val="tx1"/>
         </a:solidFill>
@@ -93,8 +93,8 @@
         <a:cs typeface="+mn-cs"/>
       </a:defRPr>
     </a:lvl8pPr>
-    <a:lvl9pPr marL="3197096" algn="l" defTabSz="799276" rtl="0" eaLnBrk="1" latinLnBrk="0" hangingPunct="1">
-      <a:defRPr sz="1600" kern="1200">
+    <a:lvl9pPr marL="3023813" algn="l" defTabSz="755955" rtl="0" eaLnBrk="1" latinLnBrk="0" hangingPunct="1">
+      <a:defRPr sz="1513" kern="1200">
         <a:solidFill>
           <a:schemeClr val="tx1"/>
         </a:solidFill>
@@ -107,12 +107,12 @@
   <p:extLst>
     <p:ext uri="{EFAFB233-063F-42B5-8137-9DF3F51BA10A}">
       <p15:sldGuideLst xmlns:p15="http://schemas.microsoft.com/office/powerpoint/2012/main">
-        <p15:guide id="1" orient="horz" pos="3742" userDrawn="1">
+        <p15:guide id="1" orient="horz" pos="3629" userDrawn="1">
           <p15:clr>
             <a:srgbClr val="A4A3A4"/>
           </p15:clr>
         </p15:guide>
-        <p15:guide id="2" pos="3007" userDrawn="1">
+        <p15:guide id="2" pos="2326" userDrawn="1">
           <p15:clr>
             <a:srgbClr val="A4A3A4"/>
           </p15:clr>
@@ -152,8 +152,8 @@
         </p:nvSpPr>
         <p:spPr>
           <a:xfrm>
-            <a:off x="715578" y="3690780"/>
-            <a:ext cx="8109746" cy="2546680"/>
+            <a:off x="553538" y="3578836"/>
+            <a:ext cx="6273246" cy="2469436"/>
           </a:xfrm>
         </p:spPr>
         <p:txBody>
@@ -179,8 +179,8 @@
         </p:nvSpPr>
         <p:spPr>
           <a:xfrm>
-            <a:off x="1431139" y="6732494"/>
-            <a:ext cx="6678613" cy="3036218"/>
+            <a:off x="1107060" y="6528293"/>
+            <a:ext cx="5166202" cy="2944125"/>
           </a:xfrm>
         </p:spPr>
         <p:txBody>
@@ -196,7 +196,7 @@
                 </a:solidFill>
               </a:defRPr>
             </a:lvl1pPr>
-            <a:lvl2pPr marL="399635" indent="0" algn="ctr">
+            <a:lvl2pPr marL="309161" indent="0" algn="ctr">
               <a:buNone/>
               <a:defRPr>
                 <a:solidFill>
@@ -206,7 +206,7 @@
                 </a:solidFill>
               </a:defRPr>
             </a:lvl2pPr>
-            <a:lvl3pPr marL="799273" indent="0" algn="ctr">
+            <a:lvl3pPr marL="618323" indent="0" algn="ctr">
               <a:buNone/>
               <a:defRPr>
                 <a:solidFill>
@@ -216,7 +216,7 @@
                 </a:solidFill>
               </a:defRPr>
             </a:lvl3pPr>
-            <a:lvl4pPr marL="1198906" indent="0" algn="ctr">
+            <a:lvl4pPr marL="927482" indent="0" algn="ctr">
               <a:buNone/>
               <a:defRPr>
                 <a:solidFill>
@@ -226,7 +226,7 @@
                 </a:solidFill>
               </a:defRPr>
             </a:lvl4pPr>
-            <a:lvl5pPr marL="1598542" indent="0" algn="ctr">
+            <a:lvl5pPr marL="1236645" indent="0" algn="ctr">
               <a:buNone/>
               <a:defRPr>
                 <a:solidFill>
@@ -236,7 +236,7 @@
                 </a:solidFill>
               </a:defRPr>
             </a:lvl5pPr>
-            <a:lvl6pPr marL="1998177" indent="0" algn="ctr">
+            <a:lvl6pPr marL="1545804" indent="0" algn="ctr">
               <a:buNone/>
               <a:defRPr>
                 <a:solidFill>
@@ -246,7 +246,7 @@
                 </a:solidFill>
               </a:defRPr>
             </a:lvl6pPr>
-            <a:lvl7pPr marL="2397813" indent="0" algn="ctr">
+            <a:lvl7pPr marL="1854964" indent="0" algn="ctr">
               <a:buNone/>
               <a:defRPr>
                 <a:solidFill>
@@ -256,7 +256,7 @@
                 </a:solidFill>
               </a:defRPr>
             </a:lvl7pPr>
-            <a:lvl8pPr marL="2797451" indent="0" algn="ctr">
+            <a:lvl8pPr marL="2164127" indent="0" algn="ctr">
               <a:buNone/>
               <a:defRPr>
                 <a:solidFill>
@@ -266,7 +266,7 @@
                 </a:solidFill>
               </a:defRPr>
             </a:lvl8pPr>
-            <a:lvl9pPr marL="3197083" indent="0" algn="ctr">
+            <a:lvl9pPr marL="2473285" indent="0" algn="ctr">
               <a:buNone/>
               <a:defRPr>
                 <a:solidFill>
@@ -303,7 +303,7 @@
             <a:fld id="{C69E31BE-431C-4F96-86FE-0099C953F73C}" type="datetimeFigureOut">
               <a:rPr lang="en-US" smtClean="0"/>
               <a:pPr/>
-              <a:t>3/19/2017</a:t>
+              <a:t>8/28/2018</a:t>
             </a:fld>
             <a:endParaRPr lang="en-US"/>
           </a:p>
@@ -473,7 +473,7 @@
             <a:fld id="{C69E31BE-431C-4F96-86FE-0099C953F73C}" type="datetimeFigureOut">
               <a:rPr lang="en-US" smtClean="0"/>
               <a:pPr/>
-              <a:t>3/19/2017</a:t>
+              <a:t>8/28/2018</a:t>
             </a:fld>
             <a:endParaRPr lang="en-US"/>
           </a:p>
@@ -564,8 +564,8 @@
         </p:nvSpPr>
         <p:spPr>
           <a:xfrm>
-            <a:off x="5187868" y="888321"/>
-            <a:ext cx="1610026" cy="18921356"/>
+            <a:off x="4013046" y="861379"/>
+            <a:ext cx="1245426" cy="18347446"/>
           </a:xfrm>
         </p:spPr>
         <p:txBody>
@@ -591,8 +591,8 @@
         </p:nvSpPr>
         <p:spPr>
           <a:xfrm>
-            <a:off x="357802" y="888321"/>
-            <a:ext cx="4671054" cy="18921356"/>
+            <a:off x="276781" y="861379"/>
+            <a:ext cx="3613266" cy="18347446"/>
           </a:xfrm>
         </p:spPr>
         <p:txBody>
@@ -653,7 +653,7 @@
             <a:fld id="{C69E31BE-431C-4F96-86FE-0099C953F73C}" type="datetimeFigureOut">
               <a:rPr lang="en-US" smtClean="0"/>
               <a:pPr/>
-              <a:t>3/19/2017</a:t>
+              <a:t>8/28/2018</a:t>
             </a:fld>
             <a:endParaRPr lang="en-US"/>
           </a:p>
@@ -823,7 +823,7 @@
             <a:fld id="{C69E31BE-431C-4F96-86FE-0099C953F73C}" type="datetimeFigureOut">
               <a:rPr lang="en-US" smtClean="0"/>
               <a:pPr/>
-              <a:t>3/19/2017</a:t>
+              <a:t>8/28/2018</a:t>
             </a:fld>
             <a:endParaRPr lang="en-US"/>
           </a:p>
@@ -914,15 +914,15 @@
         </p:nvSpPr>
         <p:spPr>
           <a:xfrm>
-            <a:off x="753672" y="7634566"/>
-            <a:ext cx="8109746" cy="2359667"/>
+            <a:off x="583006" y="7403006"/>
+            <a:ext cx="6273246" cy="2288095"/>
           </a:xfrm>
         </p:spPr>
         <p:txBody>
           <a:bodyPr anchor="t"/>
           <a:lstStyle>
             <a:lvl1pPr algn="l">
-              <a:defRPr sz="3600" b="1" cap="all"/>
+              <a:defRPr sz="2786" b="1" cap="all"/>
             </a:lvl1pPr>
           </a:lstStyle>
           <a:p>
@@ -945,8 +945,8 @@
         </p:nvSpPr>
         <p:spPr>
           <a:xfrm>
-            <a:off x="753672" y="5035631"/>
-            <a:ext cx="8109746" cy="2598934"/>
+            <a:off x="583006" y="4882898"/>
+            <a:ext cx="6273246" cy="2520105"/>
           </a:xfrm>
         </p:spPr>
         <p:txBody>
@@ -954,7 +954,7 @@
           <a:lstStyle>
             <a:lvl1pPr marL="0" indent="0">
               <a:buNone/>
-              <a:defRPr sz="1700">
+              <a:defRPr sz="1315">
                 <a:solidFill>
                   <a:schemeClr val="tx1">
                     <a:tint val="75000"/>
@@ -962,9 +962,9 @@
                 </a:solidFill>
               </a:defRPr>
             </a:lvl1pPr>
-            <a:lvl2pPr marL="399635" indent="0">
+            <a:lvl2pPr marL="309161" indent="0">
               <a:buNone/>
-              <a:defRPr sz="1600">
+              <a:defRPr sz="1238">
                 <a:solidFill>
                   <a:schemeClr val="tx1">
                     <a:tint val="75000"/>
@@ -972,9 +972,9 @@
                 </a:solidFill>
               </a:defRPr>
             </a:lvl2pPr>
-            <a:lvl3pPr marL="799273" indent="0">
+            <a:lvl3pPr marL="618323" indent="0">
               <a:buNone/>
-              <a:defRPr sz="1200">
+              <a:defRPr sz="929">
                 <a:solidFill>
                   <a:schemeClr val="tx1">
                     <a:tint val="75000"/>
@@ -982,9 +982,9 @@
                 </a:solidFill>
               </a:defRPr>
             </a:lvl3pPr>
-            <a:lvl4pPr marL="1198906" indent="0">
+            <a:lvl4pPr marL="927482" indent="0">
               <a:buNone/>
-              <a:defRPr sz="1200">
+              <a:defRPr sz="929">
                 <a:solidFill>
                   <a:schemeClr val="tx1">
                     <a:tint val="75000"/>
@@ -992,9 +992,9 @@
                 </a:solidFill>
               </a:defRPr>
             </a:lvl4pPr>
-            <a:lvl5pPr marL="1598542" indent="0">
+            <a:lvl5pPr marL="1236645" indent="0">
               <a:buNone/>
-              <a:defRPr sz="1200">
+              <a:defRPr sz="929">
                 <a:solidFill>
                   <a:schemeClr val="tx1">
                     <a:tint val="75000"/>
@@ -1002,9 +1002,9 @@
                 </a:solidFill>
               </a:defRPr>
             </a:lvl5pPr>
-            <a:lvl6pPr marL="1998177" indent="0">
+            <a:lvl6pPr marL="1545804" indent="0">
               <a:buNone/>
-              <a:defRPr sz="1200">
+              <a:defRPr sz="929">
                 <a:solidFill>
                   <a:schemeClr val="tx1">
                     <a:tint val="75000"/>
@@ -1012,9 +1012,9 @@
                 </a:solidFill>
               </a:defRPr>
             </a:lvl6pPr>
-            <a:lvl7pPr marL="2397813" indent="0">
+            <a:lvl7pPr marL="1854964" indent="0">
               <a:buNone/>
-              <a:defRPr sz="1200">
+              <a:defRPr sz="929">
                 <a:solidFill>
                   <a:schemeClr val="tx1">
                     <a:tint val="75000"/>
@@ -1022,9 +1022,9 @@
                 </a:solidFill>
               </a:defRPr>
             </a:lvl7pPr>
-            <a:lvl8pPr marL="2797451" indent="0">
+            <a:lvl8pPr marL="2164127" indent="0">
               <a:buNone/>
-              <a:defRPr sz="1200">
+              <a:defRPr sz="929">
                 <a:solidFill>
                   <a:schemeClr val="tx1">
                     <a:tint val="75000"/>
@@ -1032,9 +1032,9 @@
                 </a:solidFill>
               </a:defRPr>
             </a:lvl8pPr>
-            <a:lvl9pPr marL="3197083" indent="0">
+            <a:lvl9pPr marL="2473285" indent="0">
               <a:buNone/>
-              <a:defRPr sz="1200">
+              <a:defRPr sz="929">
                 <a:solidFill>
                   <a:schemeClr val="tx1">
                     <a:tint val="75000"/>
@@ -1070,7 +1070,7 @@
             <a:fld id="{C69E31BE-431C-4F96-86FE-0099C953F73C}" type="datetimeFigureOut">
               <a:rPr lang="en-US" smtClean="0"/>
               <a:pPr/>
-              <a:t>3/19/2017</a:t>
+              <a:t>8/28/2018</a:t>
             </a:fld>
             <a:endParaRPr lang="en-US"/>
           </a:p>
@@ -1183,39 +1183,39 @@
         </p:nvSpPr>
         <p:spPr>
           <a:xfrm>
-            <a:off x="477058" y="2772211"/>
-            <a:ext cx="4213888" cy="7840814"/>
+            <a:off x="369031" y="2688128"/>
+            <a:ext cx="3259630" cy="7602992"/>
           </a:xfrm>
         </p:spPr>
         <p:txBody>
           <a:bodyPr/>
           <a:lstStyle>
             <a:lvl1pPr>
-              <a:defRPr sz="2400"/>
+              <a:defRPr sz="1858"/>
             </a:lvl1pPr>
             <a:lvl2pPr>
-              <a:defRPr sz="2100"/>
+              <a:defRPr sz="1624"/>
             </a:lvl2pPr>
             <a:lvl3pPr>
-              <a:defRPr sz="1700"/>
+              <a:defRPr sz="1315"/>
             </a:lvl3pPr>
             <a:lvl4pPr>
-              <a:defRPr sz="1600"/>
+              <a:defRPr sz="1238"/>
             </a:lvl4pPr>
             <a:lvl5pPr>
-              <a:defRPr sz="1600"/>
+              <a:defRPr sz="1238"/>
             </a:lvl5pPr>
             <a:lvl6pPr>
-              <a:defRPr sz="1600"/>
+              <a:defRPr sz="1238"/>
             </a:lvl6pPr>
             <a:lvl7pPr>
-              <a:defRPr sz="1600"/>
+              <a:defRPr sz="1238"/>
             </a:lvl7pPr>
             <a:lvl8pPr>
-              <a:defRPr sz="1600"/>
+              <a:defRPr sz="1238"/>
             </a:lvl8pPr>
             <a:lvl9pPr>
-              <a:defRPr sz="1600"/>
+              <a:defRPr sz="1238"/>
             </a:lvl9pPr>
           </a:lstStyle>
           <a:p>
@@ -1267,39 +1267,39 @@
         </p:nvSpPr>
         <p:spPr>
           <a:xfrm>
-            <a:off x="4849952" y="2772211"/>
-            <a:ext cx="4213888" cy="7840814"/>
+            <a:off x="3751658" y="2688128"/>
+            <a:ext cx="3259630" cy="7602992"/>
           </a:xfrm>
         </p:spPr>
         <p:txBody>
           <a:bodyPr/>
           <a:lstStyle>
             <a:lvl1pPr>
-              <a:defRPr sz="2400"/>
+              <a:defRPr sz="1858"/>
             </a:lvl1pPr>
             <a:lvl2pPr>
-              <a:defRPr sz="2100"/>
+              <a:defRPr sz="1624"/>
             </a:lvl2pPr>
             <a:lvl3pPr>
-              <a:defRPr sz="1700"/>
+              <a:defRPr sz="1315"/>
             </a:lvl3pPr>
             <a:lvl4pPr>
-              <a:defRPr sz="1600"/>
+              <a:defRPr sz="1238"/>
             </a:lvl4pPr>
             <a:lvl5pPr>
-              <a:defRPr sz="1600"/>
+              <a:defRPr sz="1238"/>
             </a:lvl5pPr>
             <a:lvl6pPr>
-              <a:defRPr sz="1600"/>
+              <a:defRPr sz="1238"/>
             </a:lvl6pPr>
             <a:lvl7pPr>
-              <a:defRPr sz="1600"/>
+              <a:defRPr sz="1238"/>
             </a:lvl7pPr>
             <a:lvl8pPr>
-              <a:defRPr sz="1600"/>
+              <a:defRPr sz="1238"/>
             </a:lvl8pPr>
             <a:lvl9pPr>
-              <a:defRPr sz="1600"/>
+              <a:defRPr sz="1238"/>
             </a:lvl9pPr>
           </a:lstStyle>
           <a:p>
@@ -1357,7 +1357,7 @@
             <a:fld id="{C69E31BE-431C-4F96-86FE-0099C953F73C}" type="datetimeFigureOut">
               <a:rPr lang="en-US" smtClean="0"/>
               <a:pPr/>
-              <a:t>3/19/2017</a:t>
+              <a:t>8/28/2018</a:t>
             </a:fld>
             <a:endParaRPr lang="en-US"/>
           </a:p>
@@ -1474,8 +1474,8 @@
         </p:nvSpPr>
         <p:spPr>
           <a:xfrm>
-            <a:off x="477059" y="2659441"/>
-            <a:ext cx="4215542" cy="1108331"/>
+            <a:off x="369029" y="2578785"/>
+            <a:ext cx="3260909" cy="1074714"/>
           </a:xfrm>
         </p:spPr>
         <p:txBody>
@@ -1483,39 +1483,39 @@
           <a:lstStyle>
             <a:lvl1pPr marL="0" indent="0">
               <a:buNone/>
-              <a:defRPr sz="2100" b="1"/>
+              <a:defRPr sz="1624" b="1"/>
             </a:lvl1pPr>
-            <a:lvl2pPr marL="399635" indent="0">
+            <a:lvl2pPr marL="309161" indent="0">
               <a:buNone/>
-              <a:defRPr sz="1700" b="1"/>
+              <a:defRPr sz="1315" b="1"/>
             </a:lvl2pPr>
-            <a:lvl3pPr marL="799273" indent="0">
+            <a:lvl3pPr marL="618323" indent="0">
               <a:buNone/>
-              <a:defRPr sz="1600" b="1"/>
+              <a:defRPr sz="1238" b="1"/>
             </a:lvl3pPr>
-            <a:lvl4pPr marL="1198906" indent="0">
+            <a:lvl4pPr marL="927482" indent="0">
               <a:buNone/>
-              <a:defRPr sz="1200" b="1"/>
+              <a:defRPr sz="929" b="1"/>
             </a:lvl4pPr>
-            <a:lvl5pPr marL="1598542" indent="0">
+            <a:lvl5pPr marL="1236645" indent="0">
               <a:buNone/>
-              <a:defRPr sz="1200" b="1"/>
+              <a:defRPr sz="929" b="1"/>
             </a:lvl5pPr>
-            <a:lvl6pPr marL="1998177" indent="0">
+            <a:lvl6pPr marL="1545804" indent="0">
               <a:buNone/>
-              <a:defRPr sz="1200" b="1"/>
+              <a:defRPr sz="929" b="1"/>
             </a:lvl6pPr>
-            <a:lvl7pPr marL="2397813" indent="0">
+            <a:lvl7pPr marL="1854964" indent="0">
               <a:buNone/>
-              <a:defRPr sz="1200" b="1"/>
+              <a:defRPr sz="929" b="1"/>
             </a:lvl7pPr>
-            <a:lvl8pPr marL="2797451" indent="0">
+            <a:lvl8pPr marL="2164127" indent="0">
               <a:buNone/>
-              <a:defRPr sz="1200" b="1"/>
+              <a:defRPr sz="929" b="1"/>
             </a:lvl8pPr>
-            <a:lvl9pPr marL="3197083" indent="0">
+            <a:lvl9pPr marL="2473285" indent="0">
               <a:buNone/>
-              <a:defRPr sz="1200" b="1"/>
+              <a:defRPr sz="929" b="1"/>
             </a:lvl9pPr>
           </a:lstStyle>
           <a:p>
@@ -1539,39 +1539,39 @@
         </p:nvSpPr>
         <p:spPr>
           <a:xfrm>
-            <a:off x="477059" y="3767772"/>
-            <a:ext cx="4215542" cy="6845244"/>
+            <a:off x="369029" y="3653493"/>
+            <a:ext cx="3260909" cy="6637619"/>
           </a:xfrm>
         </p:spPr>
         <p:txBody>
           <a:bodyPr/>
           <a:lstStyle>
             <a:lvl1pPr>
-              <a:defRPr sz="2100"/>
+              <a:defRPr sz="1624"/>
             </a:lvl1pPr>
             <a:lvl2pPr>
-              <a:defRPr sz="1700"/>
+              <a:defRPr sz="1315"/>
             </a:lvl2pPr>
             <a:lvl3pPr>
-              <a:defRPr sz="1600"/>
+              <a:defRPr sz="1238"/>
             </a:lvl3pPr>
             <a:lvl4pPr>
-              <a:defRPr sz="1200"/>
+              <a:defRPr sz="929"/>
             </a:lvl4pPr>
             <a:lvl5pPr>
-              <a:defRPr sz="1200"/>
+              <a:defRPr sz="929"/>
             </a:lvl5pPr>
             <a:lvl6pPr>
-              <a:defRPr sz="1200"/>
+              <a:defRPr sz="929"/>
             </a:lvl6pPr>
             <a:lvl7pPr>
-              <a:defRPr sz="1200"/>
+              <a:defRPr sz="929"/>
             </a:lvl7pPr>
             <a:lvl8pPr>
-              <a:defRPr sz="1200"/>
+              <a:defRPr sz="929"/>
             </a:lvl8pPr>
             <a:lvl9pPr>
-              <a:defRPr sz="1200"/>
+              <a:defRPr sz="929"/>
             </a:lvl9pPr>
           </a:lstStyle>
           <a:p>
@@ -1623,8 +1623,8 @@
         </p:nvSpPr>
         <p:spPr>
           <a:xfrm>
-            <a:off x="4846653" y="2659441"/>
-            <a:ext cx="4217201" cy="1108331"/>
+            <a:off x="3749110" y="2578785"/>
+            <a:ext cx="3262191" cy="1074714"/>
           </a:xfrm>
         </p:spPr>
         <p:txBody>
@@ -1632,39 +1632,39 @@
           <a:lstStyle>
             <a:lvl1pPr marL="0" indent="0">
               <a:buNone/>
-              <a:defRPr sz="2100" b="1"/>
+              <a:defRPr sz="1624" b="1"/>
             </a:lvl1pPr>
-            <a:lvl2pPr marL="399635" indent="0">
+            <a:lvl2pPr marL="309161" indent="0">
               <a:buNone/>
-              <a:defRPr sz="1700" b="1"/>
+              <a:defRPr sz="1315" b="1"/>
             </a:lvl2pPr>
-            <a:lvl3pPr marL="799273" indent="0">
+            <a:lvl3pPr marL="618323" indent="0">
               <a:buNone/>
-              <a:defRPr sz="1600" b="1"/>
+              <a:defRPr sz="1238" b="1"/>
             </a:lvl3pPr>
-            <a:lvl4pPr marL="1198906" indent="0">
+            <a:lvl4pPr marL="927482" indent="0">
               <a:buNone/>
-              <a:defRPr sz="1200" b="1"/>
+              <a:defRPr sz="929" b="1"/>
             </a:lvl4pPr>
-            <a:lvl5pPr marL="1598542" indent="0">
+            <a:lvl5pPr marL="1236645" indent="0">
               <a:buNone/>
-              <a:defRPr sz="1200" b="1"/>
+              <a:defRPr sz="929" b="1"/>
             </a:lvl5pPr>
-            <a:lvl6pPr marL="1998177" indent="0">
+            <a:lvl6pPr marL="1545804" indent="0">
               <a:buNone/>
-              <a:defRPr sz="1200" b="1"/>
+              <a:defRPr sz="929" b="1"/>
             </a:lvl6pPr>
-            <a:lvl7pPr marL="2397813" indent="0">
+            <a:lvl7pPr marL="1854964" indent="0">
               <a:buNone/>
-              <a:defRPr sz="1200" b="1"/>
+              <a:defRPr sz="929" b="1"/>
             </a:lvl7pPr>
-            <a:lvl8pPr marL="2797451" indent="0">
+            <a:lvl8pPr marL="2164127" indent="0">
               <a:buNone/>
-              <a:defRPr sz="1200" b="1"/>
+              <a:defRPr sz="929" b="1"/>
             </a:lvl8pPr>
-            <a:lvl9pPr marL="3197083" indent="0">
+            <a:lvl9pPr marL="2473285" indent="0">
               <a:buNone/>
-              <a:defRPr sz="1200" b="1"/>
+              <a:defRPr sz="929" b="1"/>
             </a:lvl9pPr>
           </a:lstStyle>
           <a:p>
@@ -1688,39 +1688,39 @@
         </p:nvSpPr>
         <p:spPr>
           <a:xfrm>
-            <a:off x="4846653" y="3767772"/>
-            <a:ext cx="4217201" cy="6845244"/>
+            <a:off x="3749110" y="3653493"/>
+            <a:ext cx="3262191" cy="6637619"/>
           </a:xfrm>
         </p:spPr>
         <p:txBody>
           <a:bodyPr/>
           <a:lstStyle>
             <a:lvl1pPr>
-              <a:defRPr sz="2100"/>
+              <a:defRPr sz="1624"/>
             </a:lvl1pPr>
             <a:lvl2pPr>
-              <a:defRPr sz="1700"/>
+              <a:defRPr sz="1315"/>
             </a:lvl2pPr>
             <a:lvl3pPr>
-              <a:defRPr sz="1600"/>
+              <a:defRPr sz="1238"/>
             </a:lvl3pPr>
             <a:lvl4pPr>
-              <a:defRPr sz="1200"/>
+              <a:defRPr sz="929"/>
             </a:lvl4pPr>
             <a:lvl5pPr>
-              <a:defRPr sz="1200"/>
+              <a:defRPr sz="929"/>
             </a:lvl5pPr>
             <a:lvl6pPr>
-              <a:defRPr sz="1200"/>
+              <a:defRPr sz="929"/>
             </a:lvl6pPr>
             <a:lvl7pPr>
-              <a:defRPr sz="1200"/>
+              <a:defRPr sz="929"/>
             </a:lvl7pPr>
             <a:lvl8pPr>
-              <a:defRPr sz="1200"/>
+              <a:defRPr sz="929"/>
             </a:lvl8pPr>
             <a:lvl9pPr>
-              <a:defRPr sz="1200"/>
+              <a:defRPr sz="929"/>
             </a:lvl9pPr>
           </a:lstStyle>
           <a:p>
@@ -1778,7 +1778,7 @@
             <a:fld id="{C69E31BE-431C-4F96-86FE-0099C953F73C}" type="datetimeFigureOut">
               <a:rPr lang="en-US" smtClean="0"/>
               <a:pPr/>
-              <a:t>3/19/2017</a:t>
+              <a:t>8/28/2018</a:t>
             </a:fld>
             <a:endParaRPr lang="en-US"/>
           </a:p>
@@ -1897,7 +1897,7 @@
             <a:fld id="{C69E31BE-431C-4F96-86FE-0099C953F73C}" type="datetimeFigureOut">
               <a:rPr lang="en-US" smtClean="0"/>
               <a:pPr/>
-              <a:t>3/19/2017</a:t>
+              <a:t>8/28/2018</a:t>
             </a:fld>
             <a:endParaRPr lang="en-US"/>
           </a:p>
@@ -1994,7 +1994,7 @@
             <a:fld id="{C69E31BE-431C-4F96-86FE-0099C953F73C}" type="datetimeFigureOut">
               <a:rPr lang="en-US" smtClean="0"/>
               <a:pPr/>
-              <a:t>3/19/2017</a:t>
+              <a:t>8/28/2018</a:t>
             </a:fld>
             <a:endParaRPr lang="en-US"/>
           </a:p>
@@ -2085,15 +2085,15 @@
         </p:nvSpPr>
         <p:spPr>
           <a:xfrm>
-            <a:off x="477069" y="473048"/>
-            <a:ext cx="3138883" cy="2013144"/>
+            <a:off x="369045" y="458705"/>
+            <a:ext cx="2428065" cy="1952083"/>
           </a:xfrm>
         </p:spPr>
         <p:txBody>
           <a:bodyPr anchor="b"/>
           <a:lstStyle>
             <a:lvl1pPr algn="l">
-              <a:defRPr sz="1700" b="1"/>
+              <a:defRPr sz="1315" b="1"/>
             </a:lvl1pPr>
           </a:lstStyle>
           <a:p>
@@ -2116,39 +2116,39 @@
         </p:nvSpPr>
         <p:spPr>
           <a:xfrm>
-            <a:off x="3730237" y="473050"/>
-            <a:ext cx="5333616" cy="10139976"/>
+            <a:off x="2885508" y="458705"/>
+            <a:ext cx="4125788" cy="9832417"/>
           </a:xfrm>
         </p:spPr>
         <p:txBody>
           <a:bodyPr/>
           <a:lstStyle>
             <a:lvl1pPr>
-              <a:defRPr sz="2799"/>
+              <a:defRPr sz="2165"/>
             </a:lvl1pPr>
             <a:lvl2pPr>
-              <a:defRPr sz="2400"/>
+              <a:defRPr sz="1858"/>
             </a:lvl2pPr>
             <a:lvl3pPr>
-              <a:defRPr sz="2100"/>
+              <a:defRPr sz="1624"/>
             </a:lvl3pPr>
             <a:lvl4pPr>
-              <a:defRPr sz="1700"/>
+              <a:defRPr sz="1315"/>
             </a:lvl4pPr>
             <a:lvl5pPr>
-              <a:defRPr sz="1700"/>
+              <a:defRPr sz="1315"/>
             </a:lvl5pPr>
             <a:lvl6pPr>
-              <a:defRPr sz="1700"/>
+              <a:defRPr sz="1315"/>
             </a:lvl6pPr>
             <a:lvl7pPr>
-              <a:defRPr sz="1700"/>
+              <a:defRPr sz="1315"/>
             </a:lvl7pPr>
             <a:lvl8pPr>
-              <a:defRPr sz="1700"/>
+              <a:defRPr sz="1315"/>
             </a:lvl8pPr>
             <a:lvl9pPr>
-              <a:defRPr sz="1700"/>
+              <a:defRPr sz="1315"/>
             </a:lvl9pPr>
           </a:lstStyle>
           <a:p>
@@ -2200,8 +2200,8 @@
         </p:nvSpPr>
         <p:spPr>
           <a:xfrm>
-            <a:off x="477069" y="2486192"/>
-            <a:ext cx="3138883" cy="8126832"/>
+            <a:off x="369045" y="2410783"/>
+            <a:ext cx="2428065" cy="7880334"/>
           </a:xfrm>
         </p:spPr>
         <p:txBody>
@@ -2209,39 +2209,39 @@
           <a:lstStyle>
             <a:lvl1pPr marL="0" indent="0">
               <a:buNone/>
-              <a:defRPr sz="1200"/>
+              <a:defRPr sz="929"/>
             </a:lvl1pPr>
-            <a:lvl2pPr marL="399635" indent="0">
+            <a:lvl2pPr marL="309161" indent="0">
               <a:buNone/>
-              <a:defRPr sz="900"/>
+              <a:defRPr sz="696"/>
             </a:lvl2pPr>
-            <a:lvl3pPr marL="799273" indent="0">
+            <a:lvl3pPr marL="618323" indent="0">
               <a:buNone/>
-              <a:defRPr sz="800"/>
+              <a:defRPr sz="619"/>
             </a:lvl3pPr>
-            <a:lvl4pPr marL="1198906" indent="0">
+            <a:lvl4pPr marL="927482" indent="0">
               <a:buNone/>
-              <a:defRPr sz="800"/>
+              <a:defRPr sz="619"/>
             </a:lvl4pPr>
-            <a:lvl5pPr marL="1598542" indent="0">
+            <a:lvl5pPr marL="1236645" indent="0">
               <a:buNone/>
-              <a:defRPr sz="800"/>
+              <a:defRPr sz="619"/>
             </a:lvl5pPr>
-            <a:lvl6pPr marL="1998177" indent="0">
+            <a:lvl6pPr marL="1545804" indent="0">
               <a:buNone/>
-              <a:defRPr sz="800"/>
+              <a:defRPr sz="619"/>
             </a:lvl6pPr>
-            <a:lvl7pPr marL="2397813" indent="0">
+            <a:lvl7pPr marL="1854964" indent="0">
               <a:buNone/>
-              <a:defRPr sz="800"/>
+              <a:defRPr sz="619"/>
             </a:lvl7pPr>
-            <a:lvl8pPr marL="2797451" indent="0">
+            <a:lvl8pPr marL="2164127" indent="0">
               <a:buNone/>
-              <a:defRPr sz="800"/>
+              <a:defRPr sz="619"/>
             </a:lvl8pPr>
-            <a:lvl9pPr marL="3197083" indent="0">
+            <a:lvl9pPr marL="2473285" indent="0">
               <a:buNone/>
-              <a:defRPr sz="800"/>
+              <a:defRPr sz="619"/>
             </a:lvl9pPr>
           </a:lstStyle>
           <a:p>
@@ -2271,7 +2271,7 @@
             <a:fld id="{C69E31BE-431C-4F96-86FE-0099C953F73C}" type="datetimeFigureOut">
               <a:rPr lang="en-US" smtClean="0"/>
               <a:pPr/>
-              <a:t>3/19/2017</a:t>
+              <a:t>8/28/2018</a:t>
             </a:fld>
             <a:endParaRPr lang="en-US"/>
           </a:p>
@@ -2362,15 +2362,15 @@
         </p:nvSpPr>
         <p:spPr>
           <a:xfrm>
-            <a:off x="1870099" y="8316609"/>
-            <a:ext cx="5724525" cy="981823"/>
+            <a:off x="1446613" y="8064363"/>
+            <a:ext cx="4428173" cy="952043"/>
           </a:xfrm>
         </p:spPr>
         <p:txBody>
           <a:bodyPr anchor="b"/>
           <a:lstStyle>
             <a:lvl1pPr algn="l">
-              <a:defRPr sz="1700" b="1"/>
+              <a:defRPr sz="1315" b="1"/>
             </a:lvl1pPr>
           </a:lstStyle>
           <a:p>
@@ -2393,8 +2393,8 @@
         </p:nvSpPr>
         <p:spPr>
           <a:xfrm>
-            <a:off x="1870099" y="1061581"/>
-            <a:ext cx="5724525" cy="7128510"/>
+            <a:off x="1446613" y="1029388"/>
+            <a:ext cx="4428173" cy="6912293"/>
           </a:xfrm>
         </p:spPr>
         <p:txBody>
@@ -2402,39 +2402,39 @@
           <a:lstStyle>
             <a:lvl1pPr marL="0" indent="0">
               <a:buNone/>
-              <a:defRPr sz="2799"/>
+              <a:defRPr sz="2165"/>
             </a:lvl1pPr>
-            <a:lvl2pPr marL="399635" indent="0">
+            <a:lvl2pPr marL="309161" indent="0">
               <a:buNone/>
-              <a:defRPr sz="2400"/>
+              <a:defRPr sz="1858"/>
             </a:lvl2pPr>
-            <a:lvl3pPr marL="799273" indent="0">
+            <a:lvl3pPr marL="618323" indent="0">
               <a:buNone/>
-              <a:defRPr sz="2100"/>
+              <a:defRPr sz="1624"/>
             </a:lvl3pPr>
-            <a:lvl4pPr marL="1198906" indent="0">
+            <a:lvl4pPr marL="927482" indent="0">
               <a:buNone/>
-              <a:defRPr sz="1700"/>
+              <a:defRPr sz="1315"/>
             </a:lvl4pPr>
-            <a:lvl5pPr marL="1598542" indent="0">
+            <a:lvl5pPr marL="1236645" indent="0">
               <a:buNone/>
-              <a:defRPr sz="1700"/>
+              <a:defRPr sz="1315"/>
             </a:lvl5pPr>
-            <a:lvl6pPr marL="1998177" indent="0">
+            <a:lvl6pPr marL="1545804" indent="0">
               <a:buNone/>
-              <a:defRPr sz="1700"/>
+              <a:defRPr sz="1315"/>
             </a:lvl6pPr>
-            <a:lvl7pPr marL="2397813" indent="0">
+            <a:lvl7pPr marL="1854964" indent="0">
               <a:buNone/>
-              <a:defRPr sz="1700"/>
+              <a:defRPr sz="1315"/>
             </a:lvl7pPr>
-            <a:lvl8pPr marL="2797451" indent="0">
+            <a:lvl8pPr marL="2164127" indent="0">
               <a:buNone/>
-              <a:defRPr sz="1700"/>
+              <a:defRPr sz="1315"/>
             </a:lvl8pPr>
-            <a:lvl9pPr marL="3197083" indent="0">
+            <a:lvl9pPr marL="2473285" indent="0">
               <a:buNone/>
-              <a:defRPr sz="1700"/>
+              <a:defRPr sz="1315"/>
             </a:lvl9pPr>
           </a:lstStyle>
           <a:p>
@@ -2454,8 +2454,8 @@
         </p:nvSpPr>
         <p:spPr>
           <a:xfrm>
-            <a:off x="1870099" y="9298427"/>
-            <a:ext cx="5724525" cy="1394348"/>
+            <a:off x="1446613" y="9016396"/>
+            <a:ext cx="4428173" cy="1352056"/>
           </a:xfrm>
         </p:spPr>
         <p:txBody>
@@ -2463,39 +2463,39 @@
           <a:lstStyle>
             <a:lvl1pPr marL="0" indent="0">
               <a:buNone/>
-              <a:defRPr sz="1200"/>
+              <a:defRPr sz="929"/>
             </a:lvl1pPr>
-            <a:lvl2pPr marL="399635" indent="0">
+            <a:lvl2pPr marL="309161" indent="0">
               <a:buNone/>
-              <a:defRPr sz="900"/>
+              <a:defRPr sz="696"/>
             </a:lvl2pPr>
-            <a:lvl3pPr marL="799273" indent="0">
+            <a:lvl3pPr marL="618323" indent="0">
               <a:buNone/>
-              <a:defRPr sz="800"/>
+              <a:defRPr sz="619"/>
             </a:lvl3pPr>
-            <a:lvl4pPr marL="1198906" indent="0">
+            <a:lvl4pPr marL="927482" indent="0">
               <a:buNone/>
-              <a:defRPr sz="800"/>
+              <a:defRPr sz="619"/>
             </a:lvl4pPr>
-            <a:lvl5pPr marL="1598542" indent="0">
+            <a:lvl5pPr marL="1236645" indent="0">
               <a:buNone/>
-              <a:defRPr sz="800"/>
+              <a:defRPr sz="619"/>
             </a:lvl5pPr>
-            <a:lvl6pPr marL="1998177" indent="0">
+            <a:lvl6pPr marL="1545804" indent="0">
               <a:buNone/>
-              <a:defRPr sz="800"/>
+              <a:defRPr sz="619"/>
             </a:lvl6pPr>
-            <a:lvl7pPr marL="2397813" indent="0">
+            <a:lvl7pPr marL="1854964" indent="0">
               <a:buNone/>
-              <a:defRPr sz="800"/>
+              <a:defRPr sz="619"/>
             </a:lvl7pPr>
-            <a:lvl8pPr marL="2797451" indent="0">
+            <a:lvl8pPr marL="2164127" indent="0">
               <a:buNone/>
-              <a:defRPr sz="800"/>
+              <a:defRPr sz="619"/>
             </a:lvl8pPr>
-            <a:lvl9pPr marL="3197083" indent="0">
+            <a:lvl9pPr marL="2473285" indent="0">
               <a:buNone/>
-              <a:defRPr sz="800"/>
+              <a:defRPr sz="619"/>
             </a:lvl9pPr>
           </a:lstStyle>
           <a:p>
@@ -2525,7 +2525,7 @@
             <a:fld id="{C69E31BE-431C-4F96-86FE-0099C953F73C}" type="datetimeFigureOut">
               <a:rPr lang="en-US" smtClean="0"/>
               <a:pPr/>
-              <a:t>3/19/2017</a:t>
+              <a:t>8/28/2018</a:t>
             </a:fld>
             <a:endParaRPr lang="en-US"/>
           </a:p>
@@ -2621,8 +2621,8 @@
         </p:nvSpPr>
         <p:spPr>
           <a:xfrm>
-            <a:off x="477057" y="475800"/>
-            <a:ext cx="8586787" cy="1980142"/>
+            <a:off x="369036" y="461369"/>
+            <a:ext cx="6642259" cy="1920082"/>
           </a:xfrm>
           <a:prstGeom prst="rect">
             <a:avLst/>
@@ -2653,8 +2653,8 @@
         </p:nvSpPr>
         <p:spPr>
           <a:xfrm>
-            <a:off x="477057" y="2772211"/>
-            <a:ext cx="8586787" cy="7840814"/>
+            <a:off x="369036" y="2688128"/>
+            <a:ext cx="6642259" cy="7602992"/>
           </a:xfrm>
           <a:prstGeom prst="rect">
             <a:avLst/>
@@ -2714,8 +2714,8 @@
         </p:nvSpPr>
         <p:spPr>
           <a:xfrm>
-            <a:off x="477058" y="11011798"/>
-            <a:ext cx="2226206" cy="632548"/>
+            <a:off x="369031" y="10677795"/>
+            <a:ext cx="1722068" cy="613362"/>
           </a:xfrm>
           <a:prstGeom prst="rect">
             <a:avLst/>
@@ -2725,7 +2725,7 @@
           <a:bodyPr vert="horz" lIns="79928" tIns="39965" rIns="79928" bIns="39965" rtlCol="0" anchor="ctr"/>
           <a:lstStyle>
             <a:lvl1pPr algn="l">
-              <a:defRPr sz="900">
+              <a:defRPr sz="696">
                 <a:solidFill>
                   <a:schemeClr val="tx1">
                     <a:tint val="75000"/>
@@ -2738,7 +2738,7 @@
             <a:fld id="{C69E31BE-431C-4F96-86FE-0099C953F73C}" type="datetimeFigureOut">
               <a:rPr lang="en-US" smtClean="0"/>
               <a:pPr/>
-              <a:t>3/19/2017</a:t>
+              <a:t>8/28/2018</a:t>
             </a:fld>
             <a:endParaRPr lang="en-US"/>
           </a:p>
@@ -2756,8 +2756,8 @@
         </p:nvSpPr>
         <p:spPr>
           <a:xfrm>
-            <a:off x="3259807" y="11011798"/>
-            <a:ext cx="3021278" cy="632548"/>
+            <a:off x="2521606" y="10677795"/>
+            <a:ext cx="2337092" cy="613362"/>
           </a:xfrm>
           <a:prstGeom prst="rect">
             <a:avLst/>
@@ -2767,7 +2767,7 @@
           <a:bodyPr vert="horz" lIns="79928" tIns="39965" rIns="79928" bIns="39965" rtlCol="0" anchor="ctr"/>
           <a:lstStyle>
             <a:lvl1pPr algn="ctr">
-              <a:defRPr sz="900">
+              <a:defRPr sz="696">
                 <a:solidFill>
                   <a:schemeClr val="tx1">
                     <a:tint val="75000"/>
@@ -2793,8 +2793,8 @@
         </p:nvSpPr>
         <p:spPr>
           <a:xfrm>
-            <a:off x="6837641" y="11011798"/>
-            <a:ext cx="2226206" cy="632548"/>
+            <a:off x="5289222" y="10677795"/>
+            <a:ext cx="1722068" cy="613362"/>
           </a:xfrm>
           <a:prstGeom prst="rect">
             <a:avLst/>
@@ -2804,7 +2804,7 @@
           <a:bodyPr vert="horz" lIns="79928" tIns="39965" rIns="79928" bIns="39965" rtlCol="0" anchor="ctr"/>
           <a:lstStyle>
             <a:lvl1pPr algn="r">
-              <a:defRPr sz="900">
+              <a:defRPr sz="696">
                 <a:solidFill>
                   <a:schemeClr val="tx1">
                     <a:tint val="75000"/>
@@ -2846,12 +2846,12 @@
   </p:sldLayoutIdLst>
   <p:txStyles>
     <p:titleStyle>
-      <a:lvl1pPr algn="ctr" defTabSz="799273" rtl="0" eaLnBrk="1" latinLnBrk="0" hangingPunct="1">
+      <a:lvl1pPr algn="ctr" defTabSz="618323" rtl="0" eaLnBrk="1" latinLnBrk="0" hangingPunct="1">
         <a:spcBef>
           <a:spcPct val="0"/>
         </a:spcBef>
         <a:buNone/>
-        <a:defRPr sz="3699" kern="1200">
+        <a:defRPr sz="2863" kern="1200">
           <a:solidFill>
             <a:schemeClr val="tx1"/>
           </a:solidFill>
@@ -2862,13 +2862,13 @@
       </a:lvl1pPr>
     </p:titleStyle>
     <p:bodyStyle>
-      <a:lvl1pPr marL="299727" indent="-299727" algn="l" defTabSz="799273" rtl="0" eaLnBrk="1" latinLnBrk="0" hangingPunct="1">
+      <a:lvl1pPr marL="231870" indent="-231870" algn="l" defTabSz="618323" rtl="0" eaLnBrk="1" latinLnBrk="0" hangingPunct="1">
         <a:spcBef>
           <a:spcPct val="20000"/>
         </a:spcBef>
         <a:buFont typeface="Arial" pitchFamily="34" charset="0"/>
         <a:buChar char="•"/>
-        <a:defRPr sz="2799" kern="1200">
+        <a:defRPr sz="2165" kern="1200">
           <a:solidFill>
             <a:schemeClr val="tx1"/>
           </a:solidFill>
@@ -2877,13 +2877,13 @@
           <a:cs typeface="+mn-cs"/>
         </a:defRPr>
       </a:lvl1pPr>
-      <a:lvl2pPr marL="649408" indent="-249772" algn="l" defTabSz="799273" rtl="0" eaLnBrk="1" latinLnBrk="0" hangingPunct="1">
+      <a:lvl2pPr marL="502386" indent="-193224" algn="l" defTabSz="618323" rtl="0" eaLnBrk="1" latinLnBrk="0" hangingPunct="1">
         <a:spcBef>
           <a:spcPct val="20000"/>
         </a:spcBef>
         <a:buFont typeface="Arial" pitchFamily="34" charset="0"/>
         <a:buChar char="–"/>
-        <a:defRPr sz="2400" kern="1200">
+        <a:defRPr sz="1858" kern="1200">
           <a:solidFill>
             <a:schemeClr val="tx1"/>
           </a:solidFill>
@@ -2892,13 +2892,13 @@
           <a:cs typeface="+mn-cs"/>
         </a:defRPr>
       </a:lvl2pPr>
-      <a:lvl3pPr marL="999086" indent="-199819" algn="l" defTabSz="799273" rtl="0" eaLnBrk="1" latinLnBrk="0" hangingPunct="1">
+      <a:lvl3pPr marL="772901" indent="-154582" algn="l" defTabSz="618323" rtl="0" eaLnBrk="1" latinLnBrk="0" hangingPunct="1">
         <a:spcBef>
           <a:spcPct val="20000"/>
         </a:spcBef>
         <a:buFont typeface="Arial" pitchFamily="34" charset="0"/>
         <a:buChar char="•"/>
-        <a:defRPr sz="2100" kern="1200">
+        <a:defRPr sz="1624" kern="1200">
           <a:solidFill>
             <a:schemeClr val="tx1"/>
           </a:solidFill>
@@ -2907,13 +2907,13 @@
           <a:cs typeface="+mn-cs"/>
         </a:defRPr>
       </a:lvl3pPr>
-      <a:lvl4pPr marL="1398722" indent="-199819" algn="l" defTabSz="799273" rtl="0" eaLnBrk="1" latinLnBrk="0" hangingPunct="1">
+      <a:lvl4pPr marL="1082062" indent="-154582" algn="l" defTabSz="618323" rtl="0" eaLnBrk="1" latinLnBrk="0" hangingPunct="1">
         <a:spcBef>
           <a:spcPct val="20000"/>
         </a:spcBef>
         <a:buFont typeface="Arial" pitchFamily="34" charset="0"/>
         <a:buChar char="–"/>
-        <a:defRPr sz="1700" kern="1200">
+        <a:defRPr sz="1315" kern="1200">
           <a:solidFill>
             <a:schemeClr val="tx1"/>
           </a:solidFill>
@@ -2922,13 +2922,13 @@
           <a:cs typeface="+mn-cs"/>
         </a:defRPr>
       </a:lvl4pPr>
-      <a:lvl5pPr marL="1798360" indent="-199819" algn="l" defTabSz="799273" rtl="0" eaLnBrk="1" latinLnBrk="0" hangingPunct="1">
+      <a:lvl5pPr marL="1391225" indent="-154582" algn="l" defTabSz="618323" rtl="0" eaLnBrk="1" latinLnBrk="0" hangingPunct="1">
         <a:spcBef>
           <a:spcPct val="20000"/>
         </a:spcBef>
         <a:buFont typeface="Arial" pitchFamily="34" charset="0"/>
         <a:buChar char="»"/>
-        <a:defRPr sz="1700" kern="1200">
+        <a:defRPr sz="1315" kern="1200">
           <a:solidFill>
             <a:schemeClr val="tx1"/>
           </a:solidFill>
@@ -2937,13 +2937,13 @@
           <a:cs typeface="+mn-cs"/>
         </a:defRPr>
       </a:lvl5pPr>
-      <a:lvl6pPr marL="2197994" indent="-199819" algn="l" defTabSz="799273" rtl="0" eaLnBrk="1" latinLnBrk="0" hangingPunct="1">
+      <a:lvl6pPr marL="1700384" indent="-154582" algn="l" defTabSz="618323" rtl="0" eaLnBrk="1" latinLnBrk="0" hangingPunct="1">
         <a:spcBef>
           <a:spcPct val="20000"/>
         </a:spcBef>
         <a:buFont typeface="Arial" pitchFamily="34" charset="0"/>
         <a:buChar char="•"/>
-        <a:defRPr sz="1700" kern="1200">
+        <a:defRPr sz="1315" kern="1200">
           <a:solidFill>
             <a:schemeClr val="tx1"/>
           </a:solidFill>
@@ -2952,13 +2952,13 @@
           <a:cs typeface="+mn-cs"/>
         </a:defRPr>
       </a:lvl6pPr>
-      <a:lvl7pPr marL="2597632" indent="-199819" algn="l" defTabSz="799273" rtl="0" eaLnBrk="1" latinLnBrk="0" hangingPunct="1">
+      <a:lvl7pPr marL="2009546" indent="-154582" algn="l" defTabSz="618323" rtl="0" eaLnBrk="1" latinLnBrk="0" hangingPunct="1">
         <a:spcBef>
           <a:spcPct val="20000"/>
         </a:spcBef>
         <a:buFont typeface="Arial" pitchFamily="34" charset="0"/>
         <a:buChar char="•"/>
-        <a:defRPr sz="1700" kern="1200">
+        <a:defRPr sz="1315" kern="1200">
           <a:solidFill>
             <a:schemeClr val="tx1"/>
           </a:solidFill>
@@ -2967,13 +2967,13 @@
           <a:cs typeface="+mn-cs"/>
         </a:defRPr>
       </a:lvl7pPr>
-      <a:lvl8pPr marL="2997267" indent="-199819" algn="l" defTabSz="799273" rtl="0" eaLnBrk="1" latinLnBrk="0" hangingPunct="1">
+      <a:lvl8pPr marL="2318707" indent="-154582" algn="l" defTabSz="618323" rtl="0" eaLnBrk="1" latinLnBrk="0" hangingPunct="1">
         <a:spcBef>
           <a:spcPct val="20000"/>
         </a:spcBef>
         <a:buFont typeface="Arial" pitchFamily="34" charset="0"/>
         <a:buChar char="•"/>
-        <a:defRPr sz="1700" kern="1200">
+        <a:defRPr sz="1315" kern="1200">
           <a:solidFill>
             <a:schemeClr val="tx1"/>
           </a:solidFill>
@@ -2982,13 +2982,13 @@
           <a:cs typeface="+mn-cs"/>
         </a:defRPr>
       </a:lvl8pPr>
-      <a:lvl9pPr marL="3396901" indent="-199819" algn="l" defTabSz="799273" rtl="0" eaLnBrk="1" latinLnBrk="0" hangingPunct="1">
+      <a:lvl9pPr marL="2627867" indent="-154582" algn="l" defTabSz="618323" rtl="0" eaLnBrk="1" latinLnBrk="0" hangingPunct="1">
         <a:spcBef>
           <a:spcPct val="20000"/>
         </a:spcBef>
         <a:buFont typeface="Arial" pitchFamily="34" charset="0"/>
         <a:buChar char="•"/>
-        <a:defRPr sz="1700" kern="1200">
+        <a:defRPr sz="1315" kern="1200">
           <a:solidFill>
             <a:schemeClr val="tx1"/>
           </a:solidFill>
@@ -3002,8 +3002,8 @@
       <a:defPPr>
         <a:defRPr lang="en-US"/>
       </a:defPPr>
-      <a:lvl1pPr marL="0" algn="l" defTabSz="799273" rtl="0" eaLnBrk="1" latinLnBrk="0" hangingPunct="1">
-        <a:defRPr sz="1600" kern="1200">
+      <a:lvl1pPr marL="0" algn="l" defTabSz="618323" rtl="0" eaLnBrk="1" latinLnBrk="0" hangingPunct="1">
+        <a:defRPr sz="1238" kern="1200">
           <a:solidFill>
             <a:schemeClr val="tx1"/>
           </a:solidFill>
@@ -3012,8 +3012,8 @@
           <a:cs typeface="+mn-cs"/>
         </a:defRPr>
       </a:lvl1pPr>
-      <a:lvl2pPr marL="399635" algn="l" defTabSz="799273" rtl="0" eaLnBrk="1" latinLnBrk="0" hangingPunct="1">
-        <a:defRPr sz="1600" kern="1200">
+      <a:lvl2pPr marL="309161" algn="l" defTabSz="618323" rtl="0" eaLnBrk="1" latinLnBrk="0" hangingPunct="1">
+        <a:defRPr sz="1238" kern="1200">
           <a:solidFill>
             <a:schemeClr val="tx1"/>
           </a:solidFill>
@@ -3022,8 +3022,8 @@
           <a:cs typeface="+mn-cs"/>
         </a:defRPr>
       </a:lvl2pPr>
-      <a:lvl3pPr marL="799273" algn="l" defTabSz="799273" rtl="0" eaLnBrk="1" latinLnBrk="0" hangingPunct="1">
-        <a:defRPr sz="1600" kern="1200">
+      <a:lvl3pPr marL="618323" algn="l" defTabSz="618323" rtl="0" eaLnBrk="1" latinLnBrk="0" hangingPunct="1">
+        <a:defRPr sz="1238" kern="1200">
           <a:solidFill>
             <a:schemeClr val="tx1"/>
           </a:solidFill>
@@ -3032,8 +3032,8 @@
           <a:cs typeface="+mn-cs"/>
         </a:defRPr>
       </a:lvl3pPr>
-      <a:lvl4pPr marL="1198906" algn="l" defTabSz="799273" rtl="0" eaLnBrk="1" latinLnBrk="0" hangingPunct="1">
-        <a:defRPr sz="1600" kern="1200">
+      <a:lvl4pPr marL="927482" algn="l" defTabSz="618323" rtl="0" eaLnBrk="1" latinLnBrk="0" hangingPunct="1">
+        <a:defRPr sz="1238" kern="1200">
           <a:solidFill>
             <a:schemeClr val="tx1"/>
           </a:solidFill>
@@ -3042,8 +3042,8 @@
           <a:cs typeface="+mn-cs"/>
         </a:defRPr>
       </a:lvl4pPr>
-      <a:lvl5pPr marL="1598542" algn="l" defTabSz="799273" rtl="0" eaLnBrk="1" latinLnBrk="0" hangingPunct="1">
-        <a:defRPr sz="1600" kern="1200">
+      <a:lvl5pPr marL="1236645" algn="l" defTabSz="618323" rtl="0" eaLnBrk="1" latinLnBrk="0" hangingPunct="1">
+        <a:defRPr sz="1238" kern="1200">
           <a:solidFill>
             <a:schemeClr val="tx1"/>
           </a:solidFill>
@@ -3052,8 +3052,8 @@
           <a:cs typeface="+mn-cs"/>
         </a:defRPr>
       </a:lvl5pPr>
-      <a:lvl6pPr marL="1998177" algn="l" defTabSz="799273" rtl="0" eaLnBrk="1" latinLnBrk="0" hangingPunct="1">
-        <a:defRPr sz="1600" kern="1200">
+      <a:lvl6pPr marL="1545804" algn="l" defTabSz="618323" rtl="0" eaLnBrk="1" latinLnBrk="0" hangingPunct="1">
+        <a:defRPr sz="1238" kern="1200">
           <a:solidFill>
             <a:schemeClr val="tx1"/>
           </a:solidFill>
@@ -3062,8 +3062,8 @@
           <a:cs typeface="+mn-cs"/>
         </a:defRPr>
       </a:lvl6pPr>
-      <a:lvl7pPr marL="2397813" algn="l" defTabSz="799273" rtl="0" eaLnBrk="1" latinLnBrk="0" hangingPunct="1">
-        <a:defRPr sz="1600" kern="1200">
+      <a:lvl7pPr marL="1854964" algn="l" defTabSz="618323" rtl="0" eaLnBrk="1" latinLnBrk="0" hangingPunct="1">
+        <a:defRPr sz="1238" kern="1200">
           <a:solidFill>
             <a:schemeClr val="tx1"/>
           </a:solidFill>
@@ -3072,8 +3072,8 @@
           <a:cs typeface="+mn-cs"/>
         </a:defRPr>
       </a:lvl7pPr>
-      <a:lvl8pPr marL="2797451" algn="l" defTabSz="799273" rtl="0" eaLnBrk="1" latinLnBrk="0" hangingPunct="1">
-        <a:defRPr sz="1600" kern="1200">
+      <a:lvl8pPr marL="2164127" algn="l" defTabSz="618323" rtl="0" eaLnBrk="1" latinLnBrk="0" hangingPunct="1">
+        <a:defRPr sz="1238" kern="1200">
           <a:solidFill>
             <a:schemeClr val="tx1"/>
           </a:solidFill>
@@ -3082,8 +3082,8 @@
           <a:cs typeface="+mn-cs"/>
         </a:defRPr>
       </a:lvl8pPr>
-      <a:lvl9pPr marL="3197083" algn="l" defTabSz="799273" rtl="0" eaLnBrk="1" latinLnBrk="0" hangingPunct="1">
-        <a:defRPr sz="1600" kern="1200">
+      <a:lvl9pPr marL="2473285" algn="l" defTabSz="618323" rtl="0" eaLnBrk="1" latinLnBrk="0" hangingPunct="1">
+        <a:defRPr sz="1238" kern="1200">
           <a:solidFill>
             <a:schemeClr val="tx1"/>
           </a:solidFill>
@@ -3122,8 +3122,8 @@
         </p:nvSpPr>
         <p:spPr>
           <a:xfrm>
-            <a:off x="824209" y="73027"/>
-            <a:ext cx="1556724" cy="447821"/>
+            <a:off x="1170965" y="1221559"/>
+            <a:ext cx="1204195" cy="346409"/>
           </a:xfrm>
           <a:prstGeom prst="rect">
             <a:avLst/>
@@ -3147,10 +3147,10 @@
           <a:effectLst/>
         </p:spPr>
         <p:txBody>
-          <a:bodyPr lIns="89274" tIns="44638" rIns="89274" bIns="44638" anchor="ctr"/>
-          <a:lstStyle/>
-          <a:p>
-            <a:pPr algn="ctr" defTabSz="446366" fontAlgn="base">
+          <a:bodyPr lIns="69057" tIns="34528" rIns="69057" bIns="34528" anchor="ctr"/>
+          <a:lstStyle/>
+          <a:p>
+            <a:pPr algn="ctr" defTabSz="345313" fontAlgn="base">
               <a:spcBef>
                 <a:spcPct val="0"/>
               </a:spcBef>
@@ -3159,20 +3159,20 @@
               </a:spcAft>
             </a:pPr>
             <a:r>
-              <a:rPr lang="en-US" sz="1200" b="1" dirty="0">
+              <a:rPr lang="en-US" sz="929" b="1" dirty="0">
                 <a:ea typeface="ＭＳ Ｐゴシック" pitchFamily="34" charset="-128"/>
                 <a:cs typeface="Calibri" pitchFamily="34" charset="0"/>
               </a:rPr>
               <a:t>Form Filler</a:t>
             </a:r>
             <a:br>
-              <a:rPr lang="en-US" sz="1200" b="1" dirty="0">
+              <a:rPr lang="en-US" sz="929" b="1" dirty="0">
                 <a:ea typeface="ＭＳ Ｐゴシック" pitchFamily="34" charset="-128"/>
                 <a:cs typeface="Calibri" pitchFamily="34" charset="0"/>
               </a:rPr>
             </a:br>
             <a:r>
-              <a:rPr lang="en-US" sz="1200" b="1" dirty="0">
+              <a:rPr lang="en-US" sz="929" b="1" dirty="0">
                 <a:ea typeface="ＭＳ Ｐゴシック" pitchFamily="34" charset="-128"/>
                 <a:cs typeface="Calibri" pitchFamily="34" charset="0"/>
               </a:rPr>
@@ -3189,8 +3189,8 @@
         </p:nvSpPr>
         <p:spPr>
           <a:xfrm>
-            <a:off x="2380933" y="73027"/>
-            <a:ext cx="1556724" cy="447821"/>
+            <a:off x="2375160" y="1221559"/>
+            <a:ext cx="1204195" cy="346409"/>
           </a:xfrm>
           <a:prstGeom prst="rect">
             <a:avLst/>
@@ -3212,10 +3212,10 @@
           <a:effectLst/>
         </p:spPr>
         <p:txBody>
-          <a:bodyPr lIns="89274" tIns="44638" rIns="89274" bIns="44638" anchor="ctr"/>
-          <a:lstStyle/>
-          <a:p>
-            <a:pPr algn="ctr" defTabSz="446366" fontAlgn="base">
+          <a:bodyPr lIns="69057" tIns="34528" rIns="69057" bIns="34528" anchor="ctr"/>
+          <a:lstStyle/>
+          <a:p>
+            <a:pPr algn="ctr" defTabSz="345313" fontAlgn="base">
               <a:lnSpc>
                 <a:spcPct val="80000"/>
               </a:lnSpc>
@@ -3227,7 +3227,7 @@
               </a:spcAft>
             </a:pPr>
             <a:r>
-              <a:rPr lang="en-US" sz="1200" b="1" dirty="0">
+              <a:rPr lang="en-US" sz="929" b="1" dirty="0">
                 <a:ea typeface="ＭＳ Ｐゴシック" pitchFamily="34" charset="-128"/>
                 <a:cs typeface="Calibri" pitchFamily="34" charset="0"/>
               </a:rPr>
@@ -3244,8 +3244,8 @@
         </p:nvSpPr>
         <p:spPr>
           <a:xfrm>
-            <a:off x="5493232" y="73027"/>
-            <a:ext cx="1556724" cy="447821"/>
+            <a:off x="3583660" y="1221559"/>
+            <a:ext cx="1204195" cy="346409"/>
           </a:xfrm>
           <a:prstGeom prst="rect">
             <a:avLst/>
@@ -3269,10 +3269,10 @@
           <a:effectLst/>
         </p:spPr>
         <p:txBody>
-          <a:bodyPr lIns="89274" tIns="44638" rIns="89274" bIns="44638" anchor="ctr"/>
-          <a:lstStyle/>
-          <a:p>
-            <a:pPr algn="ctr" defTabSz="446366" fontAlgn="base">
+          <a:bodyPr lIns="69057" tIns="34528" rIns="69057" bIns="34528" anchor="ctr"/>
+          <a:lstStyle/>
+          <a:p>
+            <a:pPr algn="ctr" defTabSz="345313" fontAlgn="base">
               <a:lnSpc>
                 <a:spcPct val="80000"/>
               </a:lnSpc>
@@ -3284,7 +3284,7 @@
               </a:spcAft>
             </a:pPr>
             <a:r>
-              <a:rPr lang="en-US" sz="1200" b="1" dirty="0">
+              <a:rPr lang="en-US" sz="929" b="1" dirty="0">
                 <a:ea typeface="ＭＳ Ｐゴシック" pitchFamily="34" charset="-128"/>
                 <a:cs typeface="Calibri" pitchFamily="34" charset="0"/>
               </a:rPr>
@@ -3301,8 +3301,8 @@
         </p:nvSpPr>
         <p:spPr>
           <a:xfrm>
-            <a:off x="824209" y="73027"/>
-            <a:ext cx="1556724" cy="11734801"/>
+            <a:off x="1170965" y="1221553"/>
+            <a:ext cx="1204195" cy="9778830"/>
           </a:xfrm>
           <a:prstGeom prst="rect">
             <a:avLst/>
@@ -3332,11 +3332,11 @@
           </a:fontRef>
         </p:style>
         <p:txBody>
-          <a:bodyPr lIns="89274" tIns="44638" rIns="89274" bIns="44638" rtlCol="0" anchor="ctr"/>
+          <a:bodyPr lIns="69057" tIns="34528" rIns="69057" bIns="34528" rtlCol="0" anchor="ctr"/>
           <a:lstStyle/>
           <a:p>
             <a:pPr algn="ctr"/>
-            <a:endParaRPr lang="en-US" dirty="0"/>
+            <a:endParaRPr lang="en-US" sz="1238" dirty="0"/>
           </a:p>
         </p:txBody>
       </p:sp>
@@ -3348,8 +3348,8 @@
         </p:nvSpPr>
         <p:spPr>
           <a:xfrm>
-            <a:off x="2380933" y="73027"/>
-            <a:ext cx="1556724" cy="11734801"/>
+            <a:off x="2375160" y="1221558"/>
+            <a:ext cx="1204195" cy="9777000"/>
           </a:xfrm>
           <a:prstGeom prst="rect">
             <a:avLst/>
@@ -3379,11 +3379,11 @@
           </a:fontRef>
         </p:style>
         <p:txBody>
-          <a:bodyPr lIns="89274" tIns="44638" rIns="89274" bIns="44638" rtlCol="0" anchor="ctr"/>
+          <a:bodyPr lIns="69057" tIns="34528" rIns="69057" bIns="34528" rtlCol="0" anchor="ctr"/>
           <a:lstStyle/>
           <a:p>
             <a:pPr algn="ctr"/>
-            <a:endParaRPr lang="en-US" dirty="0"/>
+            <a:endParaRPr lang="en-US" sz="1238" dirty="0"/>
           </a:p>
         </p:txBody>
       </p:sp>
@@ -3395,8 +3395,8 @@
         </p:nvSpPr>
         <p:spPr>
           <a:xfrm>
-            <a:off x="5493232" y="73027"/>
-            <a:ext cx="1556724" cy="11734801"/>
+            <a:off x="3579373" y="1221557"/>
+            <a:ext cx="1204195" cy="9777000"/>
           </a:xfrm>
           <a:prstGeom prst="rect">
             <a:avLst/>
@@ -3426,11 +3426,11 @@
           </a:fontRef>
         </p:style>
         <p:txBody>
-          <a:bodyPr lIns="89274" tIns="44638" rIns="89274" bIns="44638" rtlCol="0" anchor="ctr"/>
+          <a:bodyPr lIns="69057" tIns="34528" rIns="69057" bIns="34528" rtlCol="0" anchor="ctr"/>
           <a:lstStyle/>
           <a:p>
             <a:pPr algn="ctr"/>
-            <a:endParaRPr lang="en-US" dirty="0"/>
+            <a:endParaRPr lang="en-US" sz="1238" dirty="0"/>
           </a:p>
         </p:txBody>
       </p:sp>
@@ -3442,8 +3442,8 @@
         </p:nvSpPr>
         <p:spPr>
           <a:xfrm>
-            <a:off x="935409" y="8383683"/>
-            <a:ext cx="1334335" cy="676910"/>
+            <a:off x="1256987" y="7650212"/>
+            <a:ext cx="1032167" cy="523620"/>
           </a:xfrm>
           <a:prstGeom prst="roundRect">
             <a:avLst/>
@@ -3466,10 +3466,10 @@
           <a:effectLst/>
         </p:spPr>
         <p:txBody>
-          <a:bodyPr lIns="89274" tIns="44638" rIns="89274" bIns="44638" anchor="ctr"/>
-          <a:lstStyle/>
-          <a:p>
-            <a:pPr algn="ctr" defTabSz="446366" fontAlgn="base">
+          <a:bodyPr lIns="69057" tIns="34528" rIns="69057" bIns="34528" anchor="ctr"/>
+          <a:lstStyle/>
+          <a:p>
+            <a:pPr algn="ctr" defTabSz="345313" fontAlgn="base">
               <a:spcBef>
                 <a:spcPct val="0"/>
               </a:spcBef>
@@ -3478,7 +3478,7 @@
               </a:spcAft>
             </a:pPr>
             <a:r>
-              <a:rPr lang="en-US" sz="900" b="1" dirty="0">
+              <a:rPr lang="en-US" sz="696" b="1" dirty="0">
                 <a:ea typeface="ＭＳ Ｐゴシック" pitchFamily="34" charset="-128"/>
                 <a:cs typeface="Calibri" pitchFamily="34" charset="0"/>
               </a:rPr>
@@ -3495,8 +3495,8 @@
         </p:nvSpPr>
         <p:spPr>
           <a:xfrm>
-            <a:off x="8759548" y="11124427"/>
-            <a:ext cx="681571" cy="468014"/>
+            <a:off x="6108283" y="10469271"/>
+            <a:ext cx="527226" cy="362030"/>
           </a:xfrm>
           <a:prstGeom prst="roundRect">
             <a:avLst/>
@@ -3519,10 +3519,10 @@
           <a:effectLst/>
         </p:spPr>
         <p:txBody>
-          <a:bodyPr lIns="89274" tIns="44638" rIns="89274" bIns="44638" anchor="ctr"/>
-          <a:lstStyle/>
-          <a:p>
-            <a:pPr algn="ctr" defTabSz="446366" fontAlgn="base">
+          <a:bodyPr lIns="69057" tIns="34528" rIns="69057" bIns="34528" anchor="ctr"/>
+          <a:lstStyle/>
+          <a:p>
+            <a:pPr algn="ctr" defTabSz="345313" fontAlgn="base">
               <a:spcBef>
                 <a:spcPct val="0"/>
               </a:spcBef>
@@ -3531,7 +3531,7 @@
               </a:spcAft>
             </a:pPr>
             <a:r>
-              <a:rPr lang="en-US" sz="900" b="1" i="1" dirty="0">
+              <a:rPr lang="en-US" sz="696" b="1" i="1" dirty="0">
                 <a:ea typeface="ＭＳ Ｐゴシック" pitchFamily="34" charset="-128"/>
                 <a:cs typeface="Calibri" pitchFamily="34" charset="0"/>
               </a:rPr>
@@ -3548,8 +3548,8 @@
         </p:nvSpPr>
         <p:spPr>
           <a:xfrm>
-            <a:off x="935409" y="10147678"/>
-            <a:ext cx="1334335" cy="746367"/>
+            <a:off x="1256987" y="9014744"/>
+            <a:ext cx="1032167" cy="577347"/>
           </a:xfrm>
           <a:prstGeom prst="roundRect">
             <a:avLst/>
@@ -3572,10 +3572,10 @@
           <a:effectLst/>
         </p:spPr>
         <p:txBody>
-          <a:bodyPr lIns="89274" tIns="44638" rIns="89274" bIns="44638" anchor="ctr"/>
-          <a:lstStyle/>
-          <a:p>
-            <a:pPr algn="ctr" defTabSz="446366" fontAlgn="base">
+          <a:bodyPr lIns="69057" tIns="34528" rIns="69057" bIns="34528" anchor="ctr"/>
+          <a:lstStyle/>
+          <a:p>
+            <a:pPr algn="ctr" defTabSz="345313" fontAlgn="base">
               <a:spcBef>
                 <a:spcPct val="0"/>
               </a:spcBef>
@@ -3584,7 +3584,7 @@
               </a:spcAft>
             </a:pPr>
             <a:r>
-              <a:rPr lang="en-US" sz="900" b="1" dirty="0">
+              <a:rPr lang="en-US" sz="696" b="1" dirty="0">
                 <a:ea typeface="ＭＳ Ｐゴシック" pitchFamily="34" charset="-128"/>
                 <a:cs typeface="Calibri" pitchFamily="34" charset="0"/>
               </a:rPr>
@@ -3601,8 +3601,8 @@
         </p:nvSpPr>
         <p:spPr>
           <a:xfrm>
-            <a:off x="7180161" y="10208256"/>
-            <a:ext cx="1334335" cy="627729"/>
+            <a:off x="4875716" y="9061607"/>
+            <a:ext cx="1032167" cy="485576"/>
           </a:xfrm>
           <a:prstGeom prst="roundRect">
             <a:avLst/>
@@ -3625,10 +3625,10 @@
           <a:effectLst/>
         </p:spPr>
         <p:txBody>
-          <a:bodyPr lIns="89274" tIns="44638" rIns="89274" bIns="44638" anchor="ctr"/>
-          <a:lstStyle/>
-          <a:p>
-            <a:pPr algn="ctr" defTabSz="446366" fontAlgn="base">
+          <a:bodyPr lIns="69057" tIns="34528" rIns="69057" bIns="34528" anchor="ctr"/>
+          <a:lstStyle/>
+          <a:p>
+            <a:pPr algn="ctr" defTabSz="345313" fontAlgn="base">
               <a:spcBef>
                 <a:spcPct val="0"/>
               </a:spcBef>
@@ -3637,7 +3637,7 @@
               </a:spcAft>
             </a:pPr>
             <a:r>
-              <a:rPr lang="en-US" sz="900" b="1" dirty="0">
+              <a:rPr lang="en-US" sz="696" b="1" dirty="0">
                 <a:ea typeface="ＭＳ Ｐゴシック" pitchFamily="34" charset="-128"/>
                 <a:cs typeface="Calibri" pitchFamily="34" charset="0"/>
               </a:rPr>
@@ -3654,8 +3654,8 @@
         </p:nvSpPr>
         <p:spPr>
           <a:xfrm>
-            <a:off x="935409" y="3482504"/>
-            <a:ext cx="1334335" cy="1275075"/>
+            <a:off x="1256987" y="3858941"/>
+            <a:ext cx="1032167" cy="986327"/>
           </a:xfrm>
           <a:prstGeom prst="roundRect">
             <a:avLst/>
@@ -3678,10 +3678,10 @@
           <a:effectLst/>
         </p:spPr>
         <p:txBody>
-          <a:bodyPr lIns="89274" tIns="44638" rIns="89274" bIns="44638" anchor="ctr"/>
-          <a:lstStyle/>
-          <a:p>
-            <a:pPr algn="ctr" defTabSz="446366" fontAlgn="base">
+          <a:bodyPr lIns="69057" tIns="34528" rIns="69057" bIns="34528" anchor="ctr"/>
+          <a:lstStyle/>
+          <a:p>
+            <a:pPr algn="ctr" defTabSz="345313" fontAlgn="base">
               <a:spcBef>
                 <a:spcPct val="0"/>
               </a:spcBef>
@@ -3691,7 +3691,7 @@
               <a:defRPr/>
             </a:pPr>
             <a:r>
-              <a:rPr lang="en-US" sz="900" b="1" i="1" dirty="0">
+              <a:rPr lang="en-US" sz="696" b="1" i="1" dirty="0">
                 <a:solidFill>
                   <a:schemeClr val="tx2">
                     <a:lumMod val="40000"/>
@@ -3705,7 +3705,7 @@
             </a:r>
           </a:p>
           <a:p>
-            <a:pPr algn="ctr" defTabSz="446366" fontAlgn="base">
+            <a:pPr algn="ctr" defTabSz="345313" fontAlgn="base">
               <a:spcBef>
                 <a:spcPct val="0"/>
               </a:spcBef>
@@ -3715,7 +3715,7 @@
               <a:defRPr/>
             </a:pPr>
             <a:r>
-              <a:rPr lang="en-US" sz="900" b="1" dirty="0">
+              <a:rPr lang="en-US" sz="696" b="1" dirty="0">
                 <a:ea typeface="ＭＳ Ｐゴシック" pitchFamily="34" charset="-128"/>
                 <a:cs typeface="Calibri" pitchFamily="34" charset="0"/>
               </a:rPr>
@@ -3723,7 +3723,7 @@
             </a:r>
           </a:p>
           <a:p>
-            <a:pPr algn="ctr" defTabSz="446366" fontAlgn="base">
+            <a:pPr algn="ctr" defTabSz="345313" fontAlgn="base">
               <a:spcBef>
                 <a:spcPct val="0"/>
               </a:spcBef>
@@ -3732,7 +3732,7 @@
               </a:spcAft>
               <a:defRPr/>
             </a:pPr>
-            <a:endParaRPr lang="en-US" sz="900" b="1" dirty="0">
+            <a:endParaRPr lang="en-US" sz="696" b="1" dirty="0">
               <a:solidFill>
                 <a:prstClr val="white"/>
               </a:solidFill>
@@ -3741,7 +3741,7 @@
             </a:endParaRPr>
           </a:p>
           <a:p>
-            <a:pPr algn="ctr" defTabSz="446366" fontAlgn="base">
+            <a:pPr algn="ctr" defTabSz="345313" fontAlgn="base">
               <a:spcBef>
                 <a:spcPct val="0"/>
               </a:spcBef>
@@ -3751,7 +3751,7 @@
               <a:defRPr/>
             </a:pPr>
             <a:r>
-              <a:rPr lang="en-US" sz="900" b="1" i="1" dirty="0">
+              <a:rPr lang="en-US" sz="696" b="1" i="1" dirty="0">
                 <a:solidFill>
                   <a:schemeClr val="tx2">
                     <a:lumMod val="40000"/>
@@ -3774,8 +3774,8 @@
         </p:nvSpPr>
         <p:spPr>
           <a:xfrm>
-            <a:off x="935409" y="7635884"/>
-            <a:ext cx="1334335" cy="597094"/>
+            <a:off x="1256987" y="7071759"/>
+            <a:ext cx="1032167" cy="461877"/>
           </a:xfrm>
           <a:prstGeom prst="roundRect">
             <a:avLst/>
@@ -3798,10 +3798,10 @@
           <a:effectLst/>
         </p:spPr>
         <p:txBody>
-          <a:bodyPr lIns="89274" tIns="44638" rIns="89274" bIns="44638" anchor="ctr"/>
-          <a:lstStyle/>
-          <a:p>
-            <a:pPr algn="ctr" defTabSz="446366" fontAlgn="base">
+          <a:bodyPr lIns="69057" tIns="34528" rIns="69057" bIns="34528" anchor="ctr"/>
+          <a:lstStyle/>
+          <a:p>
+            <a:pPr algn="ctr" defTabSz="345313" fontAlgn="base">
               <a:spcBef>
                 <a:spcPct val="0"/>
               </a:spcBef>
@@ -3810,7 +3810,7 @@
               </a:spcAft>
             </a:pPr>
             <a:r>
-              <a:rPr lang="en-US" sz="900" b="1" dirty="0">
+              <a:rPr lang="en-US" sz="696" b="1" dirty="0">
                 <a:ea typeface="ＭＳ Ｐゴシック" pitchFamily="34" charset="-128"/>
                 <a:cs typeface="Calibri" pitchFamily="34" charset="0"/>
               </a:rPr>
@@ -3827,8 +3827,8 @@
         </p:nvSpPr>
         <p:spPr>
           <a:xfrm>
-            <a:off x="2529204" y="5738232"/>
-            <a:ext cx="1334335" cy="755116"/>
+            <a:off x="2489858" y="5603841"/>
+            <a:ext cx="1032167" cy="584116"/>
           </a:xfrm>
           <a:prstGeom prst="roundRect">
             <a:avLst/>
@@ -3851,10 +3851,10 @@
           <a:effectLst/>
         </p:spPr>
         <p:txBody>
-          <a:bodyPr lIns="89274" tIns="44638" rIns="89274" bIns="44638" anchor="ctr"/>
-          <a:lstStyle/>
-          <a:p>
-            <a:pPr algn="ctr" defTabSz="446366" fontAlgn="base">
+          <a:bodyPr lIns="69057" tIns="34528" rIns="69057" bIns="34528" anchor="ctr"/>
+          <a:lstStyle/>
+          <a:p>
+            <a:pPr algn="ctr" defTabSz="345313" fontAlgn="base">
               <a:spcBef>
                 <a:spcPct val="0"/>
               </a:spcBef>
@@ -3863,7 +3863,7 @@
               </a:spcAft>
             </a:pPr>
             <a:r>
-              <a:rPr lang="en-US" sz="900" b="1" dirty="0">
+              <a:rPr lang="en-US" sz="696" b="1" dirty="0">
                 <a:ea typeface="ＭＳ Ｐゴシック" pitchFamily="34" charset="-128"/>
                 <a:cs typeface="Calibri" pitchFamily="34" charset="0"/>
               </a:rPr>
@@ -3880,8 +3880,8 @@
         </p:nvSpPr>
         <p:spPr>
           <a:xfrm>
-            <a:off x="935409" y="6575733"/>
-            <a:ext cx="1334335" cy="925720"/>
+            <a:off x="1256987" y="6251688"/>
+            <a:ext cx="1032167" cy="716084"/>
           </a:xfrm>
           <a:prstGeom prst="roundRect">
             <a:avLst/>
@@ -3904,10 +3904,10 @@
           <a:effectLst/>
         </p:spPr>
         <p:txBody>
-          <a:bodyPr lIns="89274" tIns="44638" rIns="89274" bIns="44638" anchor="ctr"/>
-          <a:lstStyle/>
-          <a:p>
-            <a:pPr algn="ctr" defTabSz="446366" fontAlgn="base">
+          <a:bodyPr lIns="69057" tIns="34528" rIns="69057" bIns="34528" anchor="ctr"/>
+          <a:lstStyle/>
+          <a:p>
+            <a:pPr algn="ctr" defTabSz="345313" fontAlgn="base">
               <a:spcBef>
                 <a:spcPct val="0"/>
               </a:spcBef>
@@ -3916,7 +3916,7 @@
               </a:spcAft>
             </a:pPr>
             <a:r>
-              <a:rPr lang="en-US" sz="900" b="1" i="1" dirty="0">
+              <a:rPr lang="en-US" sz="696" b="1" i="1" dirty="0">
                 <a:solidFill>
                   <a:schemeClr val="tx2">
                     <a:lumMod val="40000"/>
@@ -3930,7 +3930,7 @@
             </a:r>
           </a:p>
           <a:p>
-            <a:pPr algn="ctr" defTabSz="446366" fontAlgn="base">
+            <a:pPr algn="ctr" defTabSz="345313" fontAlgn="base">
               <a:spcBef>
                 <a:spcPct val="0"/>
               </a:spcBef>
@@ -3939,7 +3939,7 @@
               </a:spcAft>
             </a:pPr>
             <a:r>
-              <a:rPr lang="en-US" sz="900" b="1" dirty="0">
+              <a:rPr lang="en-US" sz="696" b="1" dirty="0">
                 <a:ea typeface="ＭＳ Ｐゴシック" pitchFamily="34" charset="-128"/>
                 <a:cs typeface="Calibri" pitchFamily="34" charset="0"/>
               </a:rPr>
@@ -3956,8 +3956,8 @@
         </p:nvSpPr>
         <p:spPr>
           <a:xfrm>
-            <a:off x="2529204" y="3746860"/>
-            <a:ext cx="1334335" cy="746367"/>
+            <a:off x="2489858" y="4063429"/>
+            <a:ext cx="1032167" cy="577347"/>
           </a:xfrm>
           <a:prstGeom prst="roundRect">
             <a:avLst/>
@@ -3980,10 +3980,10 @@
           <a:effectLst/>
         </p:spPr>
         <p:txBody>
-          <a:bodyPr lIns="89274" tIns="44638" rIns="89274" bIns="44638" anchor="ctr"/>
-          <a:lstStyle/>
-          <a:p>
-            <a:pPr algn="ctr" defTabSz="446366" fontAlgn="base">
+          <a:bodyPr lIns="69057" tIns="34528" rIns="69057" bIns="34528" anchor="ctr"/>
+          <a:lstStyle/>
+          <a:p>
+            <a:pPr algn="ctr" defTabSz="345313" fontAlgn="base">
               <a:spcBef>
                 <a:spcPct val="0"/>
               </a:spcBef>
@@ -3993,7 +3993,7 @@
               <a:defRPr/>
             </a:pPr>
             <a:r>
-              <a:rPr lang="en-US" sz="900" b="1" dirty="0">
+              <a:rPr lang="en-US" sz="696" b="1" dirty="0">
                 <a:ea typeface="ＭＳ Ｐゴシック" pitchFamily="34" charset="-128"/>
                 <a:cs typeface="Calibri" pitchFamily="34" charset="0"/>
               </a:rPr>
@@ -4010,8 +4010,8 @@
         </p:nvSpPr>
         <p:spPr>
           <a:xfrm>
-            <a:off x="7180161" y="10985261"/>
-            <a:ext cx="1334335" cy="746367"/>
+            <a:off x="4875716" y="9662651"/>
+            <a:ext cx="1032167" cy="577347"/>
           </a:xfrm>
           <a:prstGeom prst="roundRect">
             <a:avLst/>
@@ -4034,10 +4034,10 @@
           <a:effectLst/>
         </p:spPr>
         <p:txBody>
-          <a:bodyPr lIns="89274" tIns="44638" rIns="89274" bIns="44638" anchor="ctr"/>
-          <a:lstStyle/>
-          <a:p>
-            <a:pPr algn="ctr" defTabSz="446366" fontAlgn="base">
+          <a:bodyPr lIns="69057" tIns="34528" rIns="69057" bIns="34528" anchor="ctr"/>
+          <a:lstStyle/>
+          <a:p>
+            <a:pPr algn="ctr" defTabSz="345313" fontAlgn="base">
               <a:spcBef>
                 <a:spcPct val="0"/>
               </a:spcBef>
@@ -4046,7 +4046,7 @@
               </a:spcAft>
             </a:pPr>
             <a:r>
-              <a:rPr lang="en-US" sz="900" b="1" dirty="0">
+              <a:rPr lang="en-US" sz="696" b="1" dirty="0">
                 <a:ea typeface="ＭＳ Ｐゴシック" pitchFamily="34" charset="-128"/>
                 <a:cs typeface="Calibri" pitchFamily="34" charset="0"/>
               </a:rPr>
@@ -4067,8 +4067,8 @@
         </p:nvCxnSpPr>
         <p:spPr>
           <a:xfrm>
-            <a:off x="2269746" y="4120043"/>
-            <a:ext cx="259459" cy="1"/>
+            <a:off x="2289155" y="4352106"/>
+            <a:ext cx="200703" cy="1"/>
           </a:xfrm>
           <a:prstGeom prst="straightConnector1">
             <a:avLst/>
@@ -4105,8 +4105,8 @@
         </p:nvCxnSpPr>
         <p:spPr>
           <a:xfrm>
-            <a:off x="3196365" y="5568219"/>
-            <a:ext cx="0" cy="170019"/>
+            <a:off x="3005930" y="5472331"/>
+            <a:ext cx="0" cy="131518"/>
           </a:xfrm>
           <a:prstGeom prst="straightConnector1">
             <a:avLst/>
@@ -4143,8 +4143,8 @@
         </p:nvCxnSpPr>
         <p:spPr>
           <a:xfrm flipH="1">
-            <a:off x="2269746" y="6115790"/>
-            <a:ext cx="259459" cy="214"/>
+            <a:off x="2289155" y="5895899"/>
+            <a:ext cx="200703" cy="166"/>
           </a:xfrm>
           <a:prstGeom prst="straightConnector1">
             <a:avLst/>
@@ -4180,8 +4180,8 @@
         </p:nvCxnSpPr>
         <p:spPr>
           <a:xfrm>
-            <a:off x="1602571" y="7501460"/>
-            <a:ext cx="0" cy="134431"/>
+            <a:off x="1773060" y="6967781"/>
+            <a:ext cx="0" cy="103988"/>
           </a:xfrm>
           <a:prstGeom prst="straightConnector1">
             <a:avLst/>
@@ -4218,8 +4218,8 @@
         </p:nvCxnSpPr>
         <p:spPr>
           <a:xfrm>
-            <a:off x="1602571" y="8232985"/>
-            <a:ext cx="0" cy="150705"/>
+            <a:off x="1773060" y="7533643"/>
+            <a:ext cx="0" cy="116578"/>
           </a:xfrm>
           <a:prstGeom prst="straightConnector1">
             <a:avLst/>
@@ -4256,8 +4256,8 @@
         </p:nvCxnSpPr>
         <p:spPr>
           <a:xfrm>
-            <a:off x="1602575" y="9060593"/>
-            <a:ext cx="0" cy="154174"/>
+            <a:off x="1773063" y="8173834"/>
+            <a:ext cx="0" cy="119261"/>
           </a:xfrm>
           <a:prstGeom prst="straightConnector1">
             <a:avLst/>
@@ -4293,8 +4293,8 @@
         </p:nvCxnSpPr>
         <p:spPr>
           <a:xfrm>
-            <a:off x="2269743" y="10520862"/>
-            <a:ext cx="4910416" cy="1259"/>
+            <a:off x="2289148" y="9303418"/>
+            <a:ext cx="2586561" cy="975"/>
           </a:xfrm>
           <a:prstGeom prst="straightConnector1">
             <a:avLst/>
@@ -4330,8 +4330,8 @@
         </p:nvCxnSpPr>
         <p:spPr>
           <a:xfrm>
-            <a:off x="7847327" y="10835983"/>
-            <a:ext cx="0" cy="149276"/>
+            <a:off x="5391792" y="9547176"/>
+            <a:ext cx="0" cy="115472"/>
           </a:xfrm>
           <a:prstGeom prst="straightConnector1">
             <a:avLst/>
@@ -4360,15 +4360,16 @@
         <p:nvCxnSpPr>
           <p:cNvPr id="113" name="Straight Arrow Connector 112"/>
           <p:cNvCxnSpPr>
-            <a:stCxn id="104" idx="3"/>
+            <a:cxnSpLocks/>
+            <a:stCxn id="61" idx="3"/>
             <a:endCxn id="96" idx="1"/>
           </p:cNvCxnSpPr>
           <p:nvPr/>
         </p:nvCxnSpPr>
         <p:spPr>
           <a:xfrm flipV="1">
-            <a:off x="8514494" y="11358436"/>
-            <a:ext cx="245052" cy="9"/>
+            <a:off x="5908388" y="10650287"/>
+            <a:ext cx="199894" cy="1"/>
           </a:xfrm>
           <a:prstGeom prst="straightConnector1">
             <a:avLst/>
@@ -4401,8 +4402,8 @@
         </p:nvSpPr>
         <p:spPr>
           <a:xfrm>
-            <a:off x="935409" y="5805552"/>
-            <a:ext cx="1334335" cy="620902"/>
+            <a:off x="1256987" y="5655916"/>
+            <a:ext cx="1032167" cy="480295"/>
           </a:xfrm>
           <a:prstGeom prst="roundRect">
             <a:avLst/>
@@ -4425,10 +4426,10 @@
           <a:effectLst/>
         </p:spPr>
         <p:txBody>
-          <a:bodyPr lIns="89274" tIns="44638" rIns="89274" bIns="44638" anchor="ctr"/>
-          <a:lstStyle/>
-          <a:p>
-            <a:pPr algn="ctr" defTabSz="446366" fontAlgn="base">
+          <a:bodyPr lIns="69057" tIns="34528" rIns="69057" bIns="34528" anchor="ctr"/>
+          <a:lstStyle/>
+          <a:p>
+            <a:pPr algn="ctr" defTabSz="345313" fontAlgn="base">
               <a:spcBef>
                 <a:spcPct val="0"/>
               </a:spcBef>
@@ -4437,7 +4438,7 @@
               </a:spcAft>
             </a:pPr>
             <a:r>
-              <a:rPr lang="en-US" sz="900" b="1" dirty="0">
+              <a:rPr lang="en-US" sz="696" b="1" dirty="0">
                 <a:ea typeface="ＭＳ Ｐゴシック" pitchFamily="34" charset="-128"/>
                 <a:cs typeface="Calibri" pitchFamily="34" charset="0"/>
               </a:rPr>
@@ -4457,8 +4458,8 @@
         </p:nvCxnSpPr>
         <p:spPr>
           <a:xfrm>
-            <a:off x="1602565" y="6426465"/>
-            <a:ext cx="0" cy="149273"/>
+            <a:off x="1773055" y="6136219"/>
+            <a:ext cx="0" cy="115470"/>
           </a:xfrm>
           <a:prstGeom prst="straightConnector1">
             <a:avLst/>
@@ -4491,8 +4492,8 @@
         </p:nvSpPr>
         <p:spPr>
           <a:xfrm>
-            <a:off x="2529204" y="4642493"/>
-            <a:ext cx="1334335" cy="925720"/>
+            <a:off x="2489858" y="4756240"/>
+            <a:ext cx="1032167" cy="716084"/>
           </a:xfrm>
           <a:prstGeom prst="roundRect">
             <a:avLst/>
@@ -4515,10 +4516,10 @@
           <a:effectLst/>
         </p:spPr>
         <p:txBody>
-          <a:bodyPr lIns="89274" tIns="44638" rIns="89274" bIns="44638" anchor="ctr"/>
-          <a:lstStyle/>
-          <a:p>
-            <a:pPr algn="ctr" defTabSz="446366" fontAlgn="base">
+          <a:bodyPr lIns="69057" tIns="34528" rIns="69057" bIns="34528" anchor="ctr"/>
+          <a:lstStyle/>
+          <a:p>
+            <a:pPr algn="ctr" defTabSz="345313" fontAlgn="base">
               <a:spcBef>
                 <a:spcPct val="0"/>
               </a:spcBef>
@@ -4527,7 +4528,7 @@
               </a:spcAft>
             </a:pPr>
             <a:r>
-              <a:rPr lang="en-US" sz="900" b="1" i="1" dirty="0">
+              <a:rPr lang="en-US" sz="696" b="1" i="1" dirty="0">
                 <a:solidFill>
                   <a:schemeClr val="tx2">
                     <a:lumMod val="40000"/>
@@ -4541,7 +4542,7 @@
             </a:r>
           </a:p>
           <a:p>
-            <a:pPr algn="ctr" defTabSz="446366" fontAlgn="base">
+            <a:pPr algn="ctr" defTabSz="345313" fontAlgn="base">
               <a:spcBef>
                 <a:spcPct val="0"/>
               </a:spcBef>
@@ -4550,7 +4551,7 @@
               </a:spcAft>
             </a:pPr>
             <a:r>
-              <a:rPr lang="en-US" sz="900" b="1" dirty="0">
+              <a:rPr lang="en-US" sz="696" b="1" dirty="0">
                 <a:ea typeface="ＭＳ Ｐゴシック" pitchFamily="34" charset="-128"/>
                 <a:cs typeface="Calibri" pitchFamily="34" charset="0"/>
               </a:rPr>
@@ -4570,8 +4571,8 @@
         </p:nvCxnSpPr>
         <p:spPr>
           <a:xfrm>
-            <a:off x="3196360" y="4493225"/>
-            <a:ext cx="0" cy="149273"/>
+            <a:off x="3005926" y="4640773"/>
+            <a:ext cx="0" cy="115470"/>
           </a:xfrm>
           <a:prstGeom prst="straightConnector1">
             <a:avLst/>
@@ -4604,8 +4605,8 @@
         </p:nvSpPr>
         <p:spPr>
           <a:xfrm>
-            <a:off x="935409" y="9214769"/>
-            <a:ext cx="1334335" cy="767999"/>
+            <a:off x="1256987" y="8293099"/>
+            <a:ext cx="1032167" cy="594081"/>
           </a:xfrm>
           <a:prstGeom prst="roundRect">
             <a:avLst/>
@@ -4628,10 +4629,10 @@
           <a:effectLst/>
         </p:spPr>
         <p:txBody>
-          <a:bodyPr lIns="89274" tIns="44638" rIns="89274" bIns="44638" anchor="ctr"/>
-          <a:lstStyle/>
-          <a:p>
-            <a:pPr algn="ctr" defTabSz="446366" fontAlgn="base">
+          <a:bodyPr lIns="69057" tIns="34528" rIns="69057" bIns="34528" anchor="ctr"/>
+          <a:lstStyle/>
+          <a:p>
+            <a:pPr algn="ctr" defTabSz="345313" fontAlgn="base">
               <a:spcBef>
                 <a:spcPct val="0"/>
               </a:spcBef>
@@ -4641,7 +4642,7 @@
               <a:defRPr/>
             </a:pPr>
             <a:r>
-              <a:rPr lang="en-US" sz="900" b="1" i="1" dirty="0">
+              <a:rPr lang="en-US" sz="696" b="1" i="1" dirty="0">
                 <a:solidFill>
                   <a:schemeClr val="tx2">
                     <a:lumMod val="40000"/>
@@ -4655,7 +4656,7 @@
             </a:r>
           </a:p>
           <a:p>
-            <a:pPr algn="ctr" defTabSz="446366" fontAlgn="base">
+            <a:pPr algn="ctr" defTabSz="345313" fontAlgn="base">
               <a:spcBef>
                 <a:spcPct val="0"/>
               </a:spcBef>
@@ -4665,7 +4666,7 @@
               <a:defRPr/>
             </a:pPr>
             <a:r>
-              <a:rPr lang="en-US" sz="900" b="1" dirty="0">
+              <a:rPr lang="en-US" sz="696" b="1" dirty="0">
                 <a:ea typeface="ＭＳ Ｐゴシック" pitchFamily="34" charset="-128"/>
                 <a:cs typeface="Calibri" pitchFamily="34" charset="0"/>
               </a:rPr>
@@ -4686,8 +4687,8 @@
         </p:nvCxnSpPr>
         <p:spPr>
           <a:xfrm>
-            <a:off x="1602575" y="9982769"/>
-            <a:ext cx="0" cy="164909"/>
+            <a:off x="1773063" y="8887182"/>
+            <a:ext cx="0" cy="127565"/>
           </a:xfrm>
           <a:prstGeom prst="straightConnector1">
             <a:avLst/>
@@ -4720,8 +4721,8 @@
         </p:nvSpPr>
         <p:spPr>
           <a:xfrm>
-            <a:off x="68522" y="740389"/>
-            <a:ext cx="681571" cy="468014"/>
+            <a:off x="586410" y="1737788"/>
+            <a:ext cx="527226" cy="362030"/>
           </a:xfrm>
           <a:prstGeom prst="roundRect">
             <a:avLst/>
@@ -4744,10 +4745,10 @@
           <a:effectLst/>
         </p:spPr>
         <p:txBody>
-          <a:bodyPr lIns="89274" tIns="44638" rIns="89274" bIns="44638" anchor="ctr"/>
-          <a:lstStyle/>
-          <a:p>
-            <a:pPr algn="ctr" defTabSz="446366" fontAlgn="base">
+          <a:bodyPr lIns="69057" tIns="34528" rIns="69057" bIns="34528" anchor="ctr"/>
+          <a:lstStyle/>
+          <a:p>
+            <a:pPr algn="ctr" defTabSz="345313" fontAlgn="base">
               <a:spcBef>
                 <a:spcPct val="0"/>
               </a:spcBef>
@@ -4756,7 +4757,7 @@
               </a:spcAft>
             </a:pPr>
             <a:r>
-              <a:rPr lang="en-US" sz="900" b="1" i="1" dirty="0">
+              <a:rPr lang="en-US" sz="696" b="1" i="1" dirty="0">
                 <a:ea typeface="ＭＳ Ｐゴシック" pitchFamily="34" charset="-128"/>
                 <a:cs typeface="Calibri" pitchFamily="34" charset="0"/>
               </a:rPr>
@@ -4777,8 +4778,8 @@
         </p:nvCxnSpPr>
         <p:spPr>
           <a:xfrm flipV="1">
-            <a:off x="750085" y="973722"/>
-            <a:ext cx="188540" cy="681"/>
+            <a:off x="1113625" y="1918283"/>
+            <a:ext cx="145844" cy="527"/>
           </a:xfrm>
           <a:prstGeom prst="straightConnector1">
             <a:avLst/>
@@ -4805,276 +4806,14 @@
       </p:cxnSp>
       <p:sp>
         <p:nvSpPr>
-          <p:cNvPr id="122" name="Rectangle 121"/>
-          <p:cNvSpPr/>
-          <p:nvPr/>
-        </p:nvSpPr>
-        <p:spPr>
-          <a:xfrm>
-            <a:off x="3937082" y="73027"/>
-            <a:ext cx="1556724" cy="447821"/>
-          </a:xfrm>
-          <a:prstGeom prst="rect">
-            <a:avLst/>
-          </a:prstGeom>
-          <a:solidFill>
-            <a:schemeClr val="accent4">
-              <a:lumMod val="20000"/>
-              <a:lumOff val="80000"/>
-              <a:alpha val="89804"/>
-            </a:schemeClr>
-          </a:solidFill>
-          <a:ln w="9525" cap="flat" cmpd="sng" algn="ctr">
-            <a:solidFill>
-              <a:schemeClr val="tx1"/>
-            </a:solidFill>
-            <a:prstDash val="solid"/>
-            <a:round/>
-            <a:headEnd type="none" w="med" len="med"/>
-            <a:tailEnd type="triangle" w="med" len="med"/>
-          </a:ln>
-          <a:effectLst/>
-        </p:spPr>
-        <p:txBody>
-          <a:bodyPr lIns="89274" tIns="44638" rIns="89274" bIns="44638" anchor="ctr"/>
-          <a:lstStyle/>
-          <a:p>
-            <a:pPr algn="ctr" defTabSz="446366" fontAlgn="base">
-              <a:lnSpc>
-                <a:spcPct val="80000"/>
-              </a:lnSpc>
-              <a:spcBef>
-                <a:spcPct val="0"/>
-              </a:spcBef>
-              <a:spcAft>
-                <a:spcPct val="0"/>
-              </a:spcAft>
-            </a:pPr>
-            <a:r>
-              <a:rPr lang="en-US" sz="1200" b="1" dirty="0">
-                <a:ea typeface="ＭＳ Ｐゴシック" pitchFamily="34" charset="-128"/>
-                <a:cs typeface="Calibri" pitchFamily="34" charset="0"/>
-              </a:rPr>
-              <a:t>Data Element Repository</a:t>
-            </a:r>
-          </a:p>
-        </p:txBody>
-      </p:sp>
-      <p:sp>
-        <p:nvSpPr>
-          <p:cNvPr id="123" name="Rectangle 122"/>
-          <p:cNvSpPr/>
-          <p:nvPr/>
-        </p:nvSpPr>
-        <p:spPr>
-          <a:xfrm>
-            <a:off x="3937183" y="73865"/>
-            <a:ext cx="1556724" cy="11733960"/>
-          </a:xfrm>
-          <a:prstGeom prst="rect">
-            <a:avLst/>
-          </a:prstGeom>
-          <a:ln>
-            <a:solidFill>
-              <a:schemeClr val="bg1">
-                <a:lumMod val="75000"/>
-              </a:schemeClr>
-            </a:solidFill>
-            <a:headEnd type="none" w="med" len="med"/>
-            <a:tailEnd type="triangle" w="med" len="med"/>
-          </a:ln>
-        </p:spPr>
-        <p:style>
-          <a:lnRef idx="1">
-            <a:schemeClr val="accent1"/>
-          </a:lnRef>
-          <a:fillRef idx="0">
-            <a:schemeClr val="accent1"/>
-          </a:fillRef>
-          <a:effectRef idx="0">
-            <a:schemeClr val="accent1"/>
-          </a:effectRef>
-          <a:fontRef idx="minor">
-            <a:schemeClr val="tx1"/>
-          </a:fontRef>
-        </p:style>
-        <p:txBody>
-          <a:bodyPr lIns="89274" tIns="44638" rIns="89274" bIns="44638" rtlCol="0" anchor="ctr"/>
-          <a:lstStyle/>
-          <a:p>
-            <a:pPr algn="ctr"/>
-            <a:endParaRPr lang="en-US" dirty="0"/>
-          </a:p>
-        </p:txBody>
-      </p:sp>
-      <p:sp>
-        <p:nvSpPr>
-          <p:cNvPr id="124" name="Rounded Rectangle 123"/>
-          <p:cNvSpPr/>
-          <p:nvPr/>
-        </p:nvSpPr>
-        <p:spPr>
-          <a:xfrm>
-            <a:off x="4035608" y="5738232"/>
-            <a:ext cx="1334335" cy="764583"/>
-          </a:xfrm>
-          <a:prstGeom prst="roundRect">
-            <a:avLst/>
-          </a:prstGeom>
-          <a:solidFill>
-            <a:schemeClr val="accent6">
-              <a:lumMod val="20000"/>
-              <a:lumOff val="80000"/>
-            </a:schemeClr>
-          </a:solidFill>
-          <a:ln w="9525" cap="flat" cmpd="sng" algn="ctr">
-            <a:solidFill>
-              <a:schemeClr val="tx1"/>
-            </a:solidFill>
-            <a:prstDash val="solid"/>
-            <a:round/>
-            <a:headEnd type="none" w="med" len="med"/>
-            <a:tailEnd type="triangle" w="med" len="med"/>
-          </a:ln>
-          <a:effectLst/>
-        </p:spPr>
-        <p:txBody>
-          <a:bodyPr lIns="89274" tIns="44638" rIns="89274" bIns="44638" anchor="ctr"/>
-          <a:lstStyle/>
-          <a:p>
-            <a:pPr algn="ctr" defTabSz="446366" fontAlgn="base">
-              <a:spcBef>
-                <a:spcPct val="0"/>
-              </a:spcBef>
-              <a:spcAft>
-                <a:spcPct val="0"/>
-              </a:spcAft>
-            </a:pPr>
-            <a:r>
-              <a:rPr lang="en-US" sz="900" b="1" i="1" dirty="0">
-                <a:solidFill>
-                  <a:schemeClr val="tx2">
-                    <a:lumMod val="40000"/>
-                    <a:lumOff val="60000"/>
-                  </a:schemeClr>
-                </a:solidFill>
-                <a:ea typeface="ＭＳ Ｐゴシック" pitchFamily="34" charset="-128"/>
-                <a:cs typeface="Calibri" pitchFamily="34" charset="0"/>
-              </a:rPr>
-              <a:t>4.3. OPTIONAL</a:t>
-            </a:r>
-          </a:p>
-          <a:p>
-            <a:pPr algn="ctr" defTabSz="446366" fontAlgn="base">
-              <a:spcBef>
-                <a:spcPct val="0"/>
-              </a:spcBef>
-              <a:spcAft>
-                <a:spcPct val="0"/>
-              </a:spcAft>
-            </a:pPr>
-            <a:r>
-              <a:rPr lang="en-US" sz="900" b="1" dirty="0">
-                <a:ea typeface="ＭＳ Ｐゴシック" pitchFamily="34" charset="-128"/>
-                <a:cs typeface="Calibri" pitchFamily="34" charset="0"/>
-              </a:rPr>
-              <a:t>Look up Data Elements to support pre-population</a:t>
-            </a:r>
-          </a:p>
-        </p:txBody>
-      </p:sp>
-      <p:cxnSp>
-        <p:nvCxnSpPr>
-          <p:cNvPr id="125" name="Shape 124"/>
-          <p:cNvCxnSpPr>
-            <a:cxnSpLocks/>
-            <a:stCxn id="116" idx="3"/>
-            <a:endCxn id="124" idx="0"/>
-          </p:cNvCxnSpPr>
-          <p:nvPr/>
-        </p:nvCxnSpPr>
-        <p:spPr>
-          <a:xfrm>
-            <a:off x="3863539" y="5105354"/>
-            <a:ext cx="839237" cy="632879"/>
-          </a:xfrm>
-          <a:prstGeom prst="bentConnector2">
-            <a:avLst/>
-          </a:prstGeom>
-          <a:ln>
-            <a:solidFill>
-              <a:schemeClr val="tx1"/>
-            </a:solidFill>
-            <a:headEnd type="none" w="med" len="med"/>
-            <a:tailEnd type="triangle" w="med" len="med"/>
-          </a:ln>
-        </p:spPr>
-        <p:style>
-          <a:lnRef idx="1">
-            <a:schemeClr val="accent1"/>
-          </a:lnRef>
-          <a:fillRef idx="0">
-            <a:schemeClr val="accent1"/>
-          </a:fillRef>
-          <a:effectRef idx="0">
-            <a:schemeClr val="accent1"/>
-          </a:effectRef>
-          <a:fontRef idx="minor">
-            <a:schemeClr val="tx1"/>
-          </a:fontRef>
-        </p:style>
-      </p:cxnSp>
-      <p:cxnSp>
-        <p:nvCxnSpPr>
-          <p:cNvPr id="126" name="Shape 125"/>
-          <p:cNvCxnSpPr>
-            <a:cxnSpLocks/>
-            <a:stCxn id="102" idx="3"/>
-            <a:endCxn id="124" idx="2"/>
-          </p:cNvCxnSpPr>
-          <p:nvPr/>
-        </p:nvCxnSpPr>
-        <p:spPr>
-          <a:xfrm flipV="1">
-            <a:off x="2269745" y="6502815"/>
-            <a:ext cx="2433031" cy="535778"/>
-          </a:xfrm>
-          <a:prstGeom prst="bentConnector2">
-            <a:avLst/>
-          </a:prstGeom>
-          <a:ln>
-            <a:solidFill>
-              <a:schemeClr val="tx1"/>
-            </a:solidFill>
-            <a:headEnd type="none" w="med" len="med"/>
-            <a:tailEnd type="triangle" w="med" len="med"/>
-          </a:ln>
-        </p:spPr>
-        <p:style>
-          <a:lnRef idx="1">
-            <a:schemeClr val="accent1"/>
-          </a:lnRef>
-          <a:fillRef idx="0">
-            <a:schemeClr val="accent1"/>
-          </a:fillRef>
-          <a:effectRef idx="0">
-            <a:schemeClr val="accent1"/>
-          </a:effectRef>
-          <a:fontRef idx="minor">
-            <a:schemeClr val="tx1"/>
-          </a:fontRef>
-        </p:style>
-      </p:cxnSp>
-      <p:sp>
-        <p:nvSpPr>
           <p:cNvPr id="40" name="Rounded Rectangle 98"/>
           <p:cNvSpPr/>
           <p:nvPr/>
         </p:nvSpPr>
         <p:spPr>
           <a:xfrm>
-            <a:off x="938632" y="670124"/>
-            <a:ext cx="1334335" cy="607184"/>
+            <a:off x="1259479" y="1683434"/>
+            <a:ext cx="1032167" cy="469684"/>
           </a:xfrm>
           <a:prstGeom prst="roundRect">
             <a:avLst/>
@@ -5097,10 +4836,10 @@
           <a:effectLst/>
         </p:spPr>
         <p:txBody>
-          <a:bodyPr lIns="89274" tIns="44638" rIns="89274" bIns="44638" anchor="ctr"/>
-          <a:lstStyle/>
-          <a:p>
-            <a:pPr algn="ctr" defTabSz="446366" fontAlgn="base">
+          <a:bodyPr lIns="69057" tIns="34528" rIns="69057" bIns="34528" anchor="ctr"/>
+          <a:lstStyle/>
+          <a:p>
+            <a:pPr algn="ctr" defTabSz="345313" fontAlgn="base">
               <a:spcBef>
                 <a:spcPct val="0"/>
               </a:spcBef>
@@ -5110,13 +4849,13 @@
               <a:defRPr/>
             </a:pPr>
             <a:r>
-              <a:rPr lang="en-US" sz="900" b="1" dirty="0">
+              <a:rPr lang="en-US" sz="696" b="1" dirty="0">
                 <a:ea typeface="ＭＳ Ｐゴシック" pitchFamily="34" charset="-128"/>
                 <a:cs typeface="Calibri" pitchFamily="34" charset="0"/>
               </a:rPr>
               <a:t>1. EHR system requests Questionnaire</a:t>
             </a:r>
-            <a:endParaRPr lang="en-US" sz="900" b="1" i="1" dirty="0">
+            <a:endParaRPr lang="en-US" sz="696" b="1" i="1" dirty="0">
               <a:solidFill>
                 <a:schemeClr val="tx2">
                   <a:lumMod val="40000"/>
@@ -5137,8 +4876,8 @@
         </p:nvSpPr>
         <p:spPr>
           <a:xfrm>
-            <a:off x="2492131" y="664532"/>
-            <a:ext cx="1334335" cy="613645"/>
+            <a:off x="2461181" y="1679115"/>
+            <a:ext cx="1032167" cy="474682"/>
           </a:xfrm>
           <a:prstGeom prst="roundRect">
             <a:avLst/>
@@ -5161,10 +4900,10 @@
           <a:effectLst/>
         </p:spPr>
         <p:txBody>
-          <a:bodyPr lIns="89274" tIns="44638" rIns="89274" bIns="44638" anchor="ctr"/>
-          <a:lstStyle/>
-          <a:p>
-            <a:pPr algn="ctr" defTabSz="446366" fontAlgn="base">
+          <a:bodyPr lIns="69057" tIns="34528" rIns="69057" bIns="34528" anchor="ctr"/>
+          <a:lstStyle/>
+          <a:p>
+            <a:pPr algn="ctr" defTabSz="345313" fontAlgn="base">
               <a:spcBef>
                 <a:spcPct val="0"/>
               </a:spcBef>
@@ -5174,13 +4913,13 @@
               <a:defRPr/>
             </a:pPr>
             <a:r>
-              <a:rPr lang="en-US" sz="900" b="1" dirty="0">
+              <a:rPr lang="en-US" sz="696" b="1" dirty="0">
                 <a:ea typeface="ＭＳ Ｐゴシック" pitchFamily="34" charset="-128"/>
                 <a:cs typeface="Calibri" pitchFamily="34" charset="0"/>
               </a:rPr>
               <a:t>2. EHR system receives request for Questionnaire</a:t>
             </a:r>
-            <a:endParaRPr lang="en-US" sz="900" b="1" i="1" dirty="0">
+            <a:endParaRPr lang="en-US" sz="696" b="1" i="1" dirty="0">
               <a:solidFill>
                 <a:schemeClr val="tx2">
                   <a:lumMod val="40000"/>
@@ -5201,8 +4940,8 @@
         </p:nvSpPr>
         <p:spPr>
           <a:xfrm>
-            <a:off x="2492132" y="1425343"/>
-            <a:ext cx="1334335" cy="613645"/>
+            <a:off x="2461181" y="2267636"/>
+            <a:ext cx="1032167" cy="474682"/>
           </a:xfrm>
           <a:prstGeom prst="roundRect">
             <a:avLst/>
@@ -5225,10 +4964,10 @@
           <a:effectLst/>
         </p:spPr>
         <p:txBody>
-          <a:bodyPr lIns="89274" tIns="44638" rIns="89274" bIns="44638" anchor="ctr"/>
-          <a:lstStyle/>
-          <a:p>
-            <a:pPr algn="ctr" defTabSz="446366" fontAlgn="base">
+          <a:bodyPr lIns="69057" tIns="34528" rIns="69057" bIns="34528" anchor="ctr"/>
+          <a:lstStyle/>
+          <a:p>
+            <a:pPr algn="ctr" defTabSz="345313" fontAlgn="base">
               <a:spcBef>
                 <a:spcPct val="0"/>
               </a:spcBef>
@@ -5238,13 +4977,13 @@
               <a:defRPr/>
             </a:pPr>
             <a:r>
-              <a:rPr lang="en-US" sz="900" b="1" dirty="0">
+              <a:rPr lang="en-US" sz="696" b="1" dirty="0">
                 <a:ea typeface="ＭＳ Ｐゴシック" pitchFamily="34" charset="-128"/>
                 <a:cs typeface="Calibri" pitchFamily="34" charset="0"/>
               </a:rPr>
               <a:t>3. EHR system returns requested Questionnaire</a:t>
             </a:r>
-            <a:endParaRPr lang="en-US" sz="900" b="1" i="1" dirty="0">
+            <a:endParaRPr lang="en-US" sz="696" b="1" i="1" dirty="0">
               <a:solidFill>
                 <a:schemeClr val="tx2">
                   <a:lumMod val="40000"/>
@@ -5265,8 +5004,8 @@
         </p:nvSpPr>
         <p:spPr>
           <a:xfrm>
-            <a:off x="935983" y="1421544"/>
-            <a:ext cx="1334335" cy="617445"/>
+            <a:off x="1257431" y="2264698"/>
+            <a:ext cx="1032167" cy="477620"/>
           </a:xfrm>
           <a:prstGeom prst="roundRect">
             <a:avLst/>
@@ -5289,10 +5028,10 @@
           <a:effectLst/>
         </p:spPr>
         <p:txBody>
-          <a:bodyPr lIns="89274" tIns="44638" rIns="89274" bIns="44638" anchor="ctr"/>
-          <a:lstStyle/>
-          <a:p>
-            <a:pPr algn="ctr" defTabSz="446366" fontAlgn="base">
+          <a:bodyPr lIns="69057" tIns="34528" rIns="69057" bIns="34528" anchor="ctr"/>
+          <a:lstStyle/>
+          <a:p>
+            <a:pPr algn="ctr" defTabSz="345313" fontAlgn="base">
               <a:spcBef>
                 <a:spcPct val="0"/>
               </a:spcBef>
@@ -5302,13 +5041,13 @@
               <a:defRPr/>
             </a:pPr>
             <a:r>
-              <a:rPr lang="en-US" sz="900" b="1" dirty="0">
+              <a:rPr lang="en-US" sz="696" b="1" dirty="0">
                 <a:ea typeface="ＭＳ Ｐゴシック" pitchFamily="34" charset="-128"/>
                 <a:cs typeface="Calibri" pitchFamily="34" charset="0"/>
               </a:rPr>
               <a:t>4. EHR system prepares Questionnaire to render to user</a:t>
             </a:r>
-            <a:endParaRPr lang="en-US" sz="900" b="1" i="1" dirty="0">
+            <a:endParaRPr lang="en-US" sz="696" b="1" i="1" dirty="0">
               <a:solidFill>
                 <a:schemeClr val="tx2">
                   <a:lumMod val="40000"/>
@@ -5333,8 +5072,8 @@
         </p:nvCxnSpPr>
         <p:spPr>
           <a:xfrm flipV="1">
-            <a:off x="2272968" y="971358"/>
-            <a:ext cx="219165" cy="2365"/>
+            <a:off x="2291648" y="1916459"/>
+            <a:ext cx="169534" cy="1829"/>
           </a:xfrm>
           <a:prstGeom prst="straightConnector1">
             <a:avLst/>
@@ -5371,8 +5110,8 @@
         </p:nvCxnSpPr>
         <p:spPr>
           <a:xfrm flipH="1" flipV="1">
-            <a:off x="2270312" y="1730267"/>
-            <a:ext cx="221814" cy="1901"/>
+            <a:off x="2289590" y="2503505"/>
+            <a:ext cx="171583" cy="1470"/>
           </a:xfrm>
           <a:prstGeom prst="straightConnector1">
             <a:avLst/>
@@ -5409,8 +5148,8 @@
         </p:nvCxnSpPr>
         <p:spPr>
           <a:xfrm>
-            <a:off x="3159301" y="1278172"/>
-            <a:ext cx="1" cy="147166"/>
+            <a:off x="2977267" y="2153787"/>
+            <a:ext cx="1" cy="113838"/>
           </a:xfrm>
           <a:prstGeom prst="straightConnector1">
             <a:avLst/>
@@ -5447,8 +5186,8 @@
         </p:nvCxnSpPr>
         <p:spPr>
           <a:xfrm>
-            <a:off x="1601206" y="3153977"/>
-            <a:ext cx="1373" cy="328524"/>
+            <a:off x="1772009" y="3604807"/>
+            <a:ext cx="1063" cy="254128"/>
           </a:xfrm>
           <a:prstGeom prst="straightConnector1">
             <a:avLst/>
@@ -5484,8 +5223,8 @@
         </p:nvCxnSpPr>
         <p:spPr>
           <a:xfrm rot="5400000">
-            <a:off x="-600098" y="4835929"/>
-            <a:ext cx="3738164" cy="667162"/>
+            <a:off x="69198" y="4905868"/>
+            <a:ext cx="2891634" cy="516079"/>
           </a:xfrm>
           <a:prstGeom prst="bentConnector4">
             <a:avLst>
@@ -5524,8 +5263,8 @@
         </p:nvCxnSpPr>
         <p:spPr>
           <a:xfrm rot="16200000" flipH="1">
-            <a:off x="262787" y="7261821"/>
-            <a:ext cx="1100178" cy="245055"/>
+            <a:off x="736681" y="6782406"/>
+            <a:ext cx="851036" cy="189560"/>
           </a:xfrm>
           <a:prstGeom prst="bentConnector2">
             <a:avLst/>
@@ -5561,8 +5300,8 @@
         </p:nvSpPr>
         <p:spPr>
           <a:xfrm>
-            <a:off x="7049705" y="74852"/>
-            <a:ext cx="1556724" cy="447821"/>
+            <a:off x="4787660" y="1218684"/>
+            <a:ext cx="1204195" cy="346409"/>
           </a:xfrm>
           <a:prstGeom prst="rect">
             <a:avLst/>
@@ -5584,10 +5323,10 @@
           <a:effectLst/>
         </p:spPr>
         <p:txBody>
-          <a:bodyPr lIns="89274" tIns="44638" rIns="89274" bIns="44638" anchor="ctr"/>
-          <a:lstStyle/>
-          <a:p>
-            <a:pPr algn="ctr" defTabSz="446366" fontAlgn="base">
+          <a:bodyPr lIns="69057" tIns="34528" rIns="69057" bIns="34528" anchor="ctr"/>
+          <a:lstStyle/>
+          <a:p>
+            <a:pPr algn="ctr" defTabSz="345313" fontAlgn="base">
               <a:lnSpc>
                 <a:spcPct val="80000"/>
               </a:lnSpc>
@@ -5599,20 +5338,20 @@
               </a:spcAft>
             </a:pPr>
             <a:r>
-              <a:rPr lang="en-US" sz="1200" b="1" dirty="0">
+              <a:rPr lang="en-US" sz="929" b="1" dirty="0">
                 <a:ea typeface="ＭＳ Ｐゴシック" pitchFamily="34" charset="-128"/>
                 <a:cs typeface="Calibri" pitchFamily="34" charset="0"/>
               </a:rPr>
               <a:t>Form Receiver and/or Form </a:t>
             </a:r>
             <a:r>
-              <a:rPr lang="en-US" sz="1200" b="1" dirty="0" err="1">
+              <a:rPr lang="en-US" sz="929" b="1" dirty="0" err="1">
                 <a:ea typeface="ＭＳ Ｐゴシック" pitchFamily="34" charset="-128"/>
                 <a:cs typeface="Calibri" pitchFamily="34" charset="0"/>
               </a:rPr>
               <a:t>Archiver</a:t>
             </a:r>
-            <a:endParaRPr lang="en-US" sz="1200" b="1" dirty="0">
+            <a:endParaRPr lang="en-US" sz="929" b="1" dirty="0">
               <a:ea typeface="ＭＳ Ｐゴシック" pitchFamily="34" charset="-128"/>
               <a:cs typeface="Calibri" pitchFamily="34" charset="0"/>
             </a:endParaRPr>
@@ -5627,8 +5366,8 @@
         </p:nvSpPr>
         <p:spPr>
           <a:xfrm>
-            <a:off x="7049705" y="74849"/>
-            <a:ext cx="1556724" cy="11732976"/>
+            <a:off x="4783372" y="1222965"/>
+            <a:ext cx="1204195" cy="9777000"/>
           </a:xfrm>
           <a:prstGeom prst="rect">
             <a:avLst/>
@@ -5658,11 +5397,11 @@
           </a:fontRef>
         </p:style>
         <p:txBody>
-          <a:bodyPr lIns="89274" tIns="44638" rIns="89274" bIns="44638" rtlCol="0" anchor="ctr"/>
+          <a:bodyPr lIns="69057" tIns="34528" rIns="69057" bIns="34528" rtlCol="0" anchor="ctr"/>
           <a:lstStyle/>
           <a:p>
             <a:pPr algn="ctr"/>
-            <a:endParaRPr lang="en-US" dirty="0"/>
+            <a:endParaRPr lang="en-US" sz="1238" dirty="0"/>
           </a:p>
         </p:txBody>
       </p:sp>
@@ -5674,8 +5413,8 @@
         </p:nvSpPr>
         <p:spPr>
           <a:xfrm>
-            <a:off x="934038" y="2183068"/>
-            <a:ext cx="1334335" cy="970913"/>
+            <a:off x="1255925" y="2853769"/>
+            <a:ext cx="1032167" cy="751044"/>
           </a:xfrm>
           <a:prstGeom prst="roundRect">
             <a:avLst/>
@@ -5699,10 +5438,10 @@
           <a:effectLst/>
         </p:spPr>
         <p:txBody>
-          <a:bodyPr lIns="89274" tIns="44638" rIns="89274" bIns="44638" anchor="ctr"/>
-          <a:lstStyle/>
-          <a:p>
-            <a:pPr algn="ctr" defTabSz="446366" fontAlgn="base">
+          <a:bodyPr lIns="69057" tIns="34528" rIns="69057" bIns="34528" anchor="ctr"/>
+          <a:lstStyle/>
+          <a:p>
+            <a:pPr algn="ctr" defTabSz="345313" fontAlgn="base">
               <a:spcBef>
                 <a:spcPct val="0"/>
               </a:spcBef>
@@ -5712,7 +5451,7 @@
               <a:defRPr/>
             </a:pPr>
             <a:r>
-              <a:rPr lang="en-US" sz="900" b="1" i="1" dirty="0">
+              <a:rPr lang="en-US" sz="696" b="1" i="1" dirty="0">
                 <a:solidFill>
                   <a:schemeClr val="tx2">
                     <a:lumMod val="40000"/>
@@ -5726,7 +5465,7 @@
             </a:r>
           </a:p>
           <a:p>
-            <a:pPr algn="ctr" defTabSz="446366" fontAlgn="base">
+            <a:pPr algn="ctr" defTabSz="345313" fontAlgn="base">
               <a:spcBef>
                 <a:spcPct val="0"/>
               </a:spcBef>
@@ -5736,13 +5475,13 @@
               <a:defRPr/>
             </a:pPr>
             <a:r>
-              <a:rPr lang="en-US" sz="900" b="1" dirty="0">
+              <a:rPr lang="en-US" sz="696" b="1" dirty="0">
                 <a:ea typeface="ＭＳ Ｐゴシック" pitchFamily="34" charset="-128"/>
                 <a:cs typeface="Calibri" pitchFamily="34" charset="0"/>
               </a:rPr>
               <a:t>EHR system retrieves existing Questionnaire Response already in progress</a:t>
             </a:r>
-            <a:endParaRPr lang="en-US" sz="900" b="1" i="1" dirty="0">
+            <a:endParaRPr lang="en-US" sz="696" b="1" i="1" dirty="0">
               <a:solidFill>
                 <a:schemeClr val="tx2">
                   <a:lumMod val="40000"/>
@@ -5763,8 +5502,8 @@
         </p:nvSpPr>
         <p:spPr>
           <a:xfrm>
-            <a:off x="5617203" y="2361700"/>
-            <a:ext cx="1334335" cy="613645"/>
+            <a:off x="3670985" y="2991949"/>
+            <a:ext cx="1032167" cy="474682"/>
           </a:xfrm>
           <a:prstGeom prst="roundRect">
             <a:avLst/>
@@ -5787,10 +5526,10 @@
           <a:effectLst/>
         </p:spPr>
         <p:txBody>
-          <a:bodyPr lIns="89274" tIns="44638" rIns="89274" bIns="44638" anchor="ctr"/>
-          <a:lstStyle/>
-          <a:p>
-            <a:pPr algn="ctr" defTabSz="446366" fontAlgn="base">
+          <a:bodyPr lIns="69057" tIns="34528" rIns="69057" bIns="34528" anchor="ctr"/>
+          <a:lstStyle/>
+          <a:p>
+            <a:pPr algn="ctr" defTabSz="345313" fontAlgn="base">
               <a:spcBef>
                 <a:spcPct val="0"/>
               </a:spcBef>
@@ -5800,13 +5539,13 @@
               <a:defRPr/>
             </a:pPr>
             <a:r>
-              <a:rPr lang="en-US" sz="900" b="1" dirty="0">
+              <a:rPr lang="en-US" sz="696" b="1" dirty="0">
                 <a:ea typeface="ＭＳ Ｐゴシック" pitchFamily="34" charset="-128"/>
                 <a:cs typeface="Calibri" pitchFamily="34" charset="0"/>
               </a:rPr>
               <a:t>4.1.1. Form Response Manager returns existing Questionnaire Response</a:t>
             </a:r>
-            <a:endParaRPr lang="en-US" sz="900" b="1" i="1" dirty="0">
+            <a:endParaRPr lang="en-US" sz="696" b="1" i="1" dirty="0">
               <a:solidFill>
                 <a:schemeClr val="tx2">
                   <a:lumMod val="40000"/>
@@ -5830,8 +5569,8 @@
         </p:nvCxnSpPr>
         <p:spPr>
           <a:xfrm flipV="1">
-            <a:off x="2268369" y="2668524"/>
-            <a:ext cx="3348830" cy="1"/>
+            <a:off x="2288095" y="3229284"/>
+            <a:ext cx="1382892" cy="2"/>
           </a:xfrm>
           <a:prstGeom prst="straightConnector1">
             <a:avLst/>
@@ -5871,8 +5610,8 @@
         </p:nvCxnSpPr>
         <p:spPr>
           <a:xfrm flipH="1">
-            <a:off x="1601204" y="2038987"/>
-            <a:ext cx="1947" cy="144078"/>
+            <a:off x="1772009" y="2742310"/>
+            <a:ext cx="1506" cy="111450"/>
           </a:xfrm>
           <a:prstGeom prst="straightConnector1">
             <a:avLst/>
@@ -5905,8 +5644,8 @@
         </p:nvSpPr>
         <p:spPr>
           <a:xfrm>
-            <a:off x="5617202" y="9293228"/>
-            <a:ext cx="1334335" cy="613645"/>
+            <a:off x="3670984" y="8353792"/>
+            <a:ext cx="1032167" cy="474682"/>
           </a:xfrm>
           <a:prstGeom prst="roundRect">
             <a:avLst/>
@@ -5929,10 +5668,10 @@
           <a:effectLst/>
         </p:spPr>
         <p:txBody>
-          <a:bodyPr lIns="89274" tIns="44638" rIns="89274" bIns="44638" anchor="ctr"/>
-          <a:lstStyle/>
-          <a:p>
-            <a:pPr algn="ctr" defTabSz="446366" fontAlgn="base">
+          <a:bodyPr lIns="69057" tIns="34528" rIns="69057" bIns="34528" anchor="ctr"/>
+          <a:lstStyle/>
+          <a:p>
+            <a:pPr algn="ctr" defTabSz="345313" fontAlgn="base">
               <a:spcBef>
                 <a:spcPct val="0"/>
               </a:spcBef>
@@ -5942,13 +5681,13 @@
               <a:defRPr/>
             </a:pPr>
             <a:r>
-              <a:rPr lang="en-US" sz="900" b="1" dirty="0">
+              <a:rPr lang="en-US" sz="696" b="1" dirty="0">
                 <a:ea typeface="ＭＳ Ｐゴシック" pitchFamily="34" charset="-128"/>
                 <a:cs typeface="Calibri" pitchFamily="34" charset="0"/>
               </a:rPr>
               <a:t>6.1.1. Form Response Manager stores draft Questionnaire Response</a:t>
             </a:r>
-            <a:endParaRPr lang="en-US" sz="900" b="1" i="1" dirty="0">
+            <a:endParaRPr lang="en-US" sz="696" b="1" i="1" dirty="0">
               <a:solidFill>
                 <a:schemeClr val="tx2">
                   <a:lumMod val="40000"/>
@@ -5973,8 +5712,8 @@
         </p:nvCxnSpPr>
         <p:spPr>
           <a:xfrm>
-            <a:off x="2269742" y="9598769"/>
-            <a:ext cx="3347456" cy="1281"/>
+            <a:off x="2289155" y="8590137"/>
+            <a:ext cx="1381831" cy="992"/>
           </a:xfrm>
           <a:prstGeom prst="straightConnector1">
             <a:avLst/>
@@ -6011,8 +5750,8 @@
         </p:nvCxnSpPr>
         <p:spPr>
           <a:xfrm flipV="1">
-            <a:off x="6284370" y="2975342"/>
-            <a:ext cx="1" cy="6317882"/>
+            <a:off x="4187071" y="3466632"/>
+            <a:ext cx="1" cy="4887162"/>
           </a:xfrm>
           <a:prstGeom prst="straightConnector1">
             <a:avLst/>
@@ -6031,6 +5770,307 @@
           </a:fillRef>
           <a:effectRef idx="0">
             <a:schemeClr val="dk1"/>
+          </a:effectRef>
+          <a:fontRef idx="minor">
+            <a:schemeClr val="tx1"/>
+          </a:fontRef>
+        </p:style>
+      </p:cxnSp>
+      <p:sp>
+        <p:nvSpPr>
+          <p:cNvPr id="60" name="Rounded Rectangle 117">
+            <a:extLst>
+              <a:ext uri="{FF2B5EF4-FFF2-40B4-BE49-F238E27FC236}">
+                <a16:creationId xmlns:a16="http://schemas.microsoft.com/office/drawing/2014/main" id="{798FF03B-B1B2-4EBA-B2F8-959722148F5A}"/>
+              </a:ext>
+            </a:extLst>
+          </p:cNvPr>
+          <p:cNvSpPr/>
+          <p:nvPr/>
+        </p:nvSpPr>
+        <p:spPr>
+          <a:xfrm>
+            <a:off x="1259089" y="10353246"/>
+            <a:ext cx="1032167" cy="594081"/>
+          </a:xfrm>
+          <a:prstGeom prst="roundRect">
+            <a:avLst/>
+          </a:prstGeom>
+          <a:solidFill>
+            <a:schemeClr val="accent6">
+              <a:lumMod val="20000"/>
+              <a:lumOff val="80000"/>
+            </a:schemeClr>
+          </a:solidFill>
+          <a:ln w="9525" cap="flat" cmpd="sng" algn="ctr">
+            <a:solidFill>
+              <a:schemeClr val="tx1"/>
+            </a:solidFill>
+            <a:prstDash val="solid"/>
+            <a:round/>
+            <a:headEnd type="none" w="med" len="med"/>
+            <a:tailEnd type="triangle" w="med" len="med"/>
+          </a:ln>
+          <a:effectLst/>
+        </p:spPr>
+        <p:txBody>
+          <a:bodyPr lIns="69057" tIns="34528" rIns="69057" bIns="34528" anchor="ctr"/>
+          <a:lstStyle/>
+          <a:p>
+            <a:pPr algn="ctr" defTabSz="345313" fontAlgn="base">
+              <a:spcBef>
+                <a:spcPct val="0"/>
+              </a:spcBef>
+              <a:spcAft>
+                <a:spcPct val="0"/>
+              </a:spcAft>
+              <a:defRPr/>
+            </a:pPr>
+            <a:r>
+              <a:rPr lang="en-US" sz="696" b="1" i="1" dirty="0">
+                <a:solidFill>
+                  <a:schemeClr val="tx2">
+                    <a:lumMod val="40000"/>
+                    <a:lumOff val="60000"/>
+                  </a:schemeClr>
+                </a:solidFill>
+                <a:ea typeface="ＭＳ Ｐゴシック" pitchFamily="34" charset="-128"/>
+                <a:cs typeface="Calibri" pitchFamily="34" charset="0"/>
+              </a:rPr>
+              <a:t>10.1. OPTIONAL: </a:t>
+            </a:r>
+          </a:p>
+          <a:p>
+            <a:pPr algn="ctr" defTabSz="345313" fontAlgn="base">
+              <a:spcBef>
+                <a:spcPct val="0"/>
+              </a:spcBef>
+              <a:spcAft>
+                <a:spcPct val="0"/>
+              </a:spcAft>
+              <a:defRPr/>
+            </a:pPr>
+            <a:r>
+              <a:rPr lang="en-US" sz="696" b="1" dirty="0">
+                <a:ea typeface="ＭＳ Ｐゴシック" pitchFamily="34" charset="-128"/>
+                <a:cs typeface="Calibri" pitchFamily="34" charset="0"/>
+              </a:rPr>
+              <a:t>EHR system extracts data from Questionnaire Response</a:t>
+            </a:r>
+          </a:p>
+        </p:txBody>
+      </p:sp>
+      <p:sp>
+        <p:nvSpPr>
+          <p:cNvPr id="61" name="Rounded Rectangle 117">
+            <a:extLst>
+              <a:ext uri="{FF2B5EF4-FFF2-40B4-BE49-F238E27FC236}">
+                <a16:creationId xmlns:a16="http://schemas.microsoft.com/office/drawing/2014/main" id="{B13BA5FD-C23B-459F-BCC9-D00394347142}"/>
+              </a:ext>
+            </a:extLst>
+          </p:cNvPr>
+          <p:cNvSpPr/>
+          <p:nvPr/>
+        </p:nvSpPr>
+        <p:spPr>
+          <a:xfrm>
+            <a:off x="4876222" y="10353247"/>
+            <a:ext cx="1032167" cy="594081"/>
+          </a:xfrm>
+          <a:prstGeom prst="roundRect">
+            <a:avLst/>
+          </a:prstGeom>
+          <a:solidFill>
+            <a:schemeClr val="accent6">
+              <a:lumMod val="20000"/>
+              <a:lumOff val="80000"/>
+            </a:schemeClr>
+          </a:solidFill>
+          <a:ln w="9525" cap="flat" cmpd="sng" algn="ctr">
+            <a:solidFill>
+              <a:schemeClr val="tx1"/>
+            </a:solidFill>
+            <a:prstDash val="solid"/>
+            <a:round/>
+            <a:headEnd type="none" w="med" len="med"/>
+            <a:tailEnd type="triangle" w="med" len="med"/>
+          </a:ln>
+          <a:effectLst/>
+        </p:spPr>
+        <p:txBody>
+          <a:bodyPr lIns="69057" tIns="34528" rIns="69057" bIns="34528" anchor="ctr"/>
+          <a:lstStyle/>
+          <a:p>
+            <a:pPr algn="ctr" defTabSz="345313" fontAlgn="base">
+              <a:spcBef>
+                <a:spcPct val="0"/>
+              </a:spcBef>
+              <a:spcAft>
+                <a:spcPct val="0"/>
+              </a:spcAft>
+              <a:defRPr/>
+            </a:pPr>
+            <a:r>
+              <a:rPr lang="en-US" sz="696" b="1" i="1" dirty="0">
+                <a:solidFill>
+                  <a:schemeClr val="tx2">
+                    <a:lumMod val="40000"/>
+                    <a:lumOff val="60000"/>
+                  </a:schemeClr>
+                </a:solidFill>
+                <a:ea typeface="ＭＳ Ｐゴシック" pitchFamily="34" charset="-128"/>
+                <a:cs typeface="Calibri" pitchFamily="34" charset="0"/>
+              </a:rPr>
+              <a:t>10.2. OPTIONAL: </a:t>
+            </a:r>
+          </a:p>
+          <a:p>
+            <a:pPr algn="ctr" defTabSz="345313" fontAlgn="base">
+              <a:spcBef>
+                <a:spcPct val="0"/>
+              </a:spcBef>
+              <a:spcAft>
+                <a:spcPct val="0"/>
+              </a:spcAft>
+              <a:defRPr/>
+            </a:pPr>
+            <a:r>
+              <a:rPr lang="en-US" sz="696" b="1" dirty="0">
+                <a:ea typeface="ＭＳ Ｐゴシック" pitchFamily="34" charset="-128"/>
+                <a:cs typeface="Calibri" pitchFamily="34" charset="0"/>
+              </a:rPr>
+              <a:t>Data Repository extracts data from Questionnaire Response</a:t>
+            </a:r>
+          </a:p>
+        </p:txBody>
+      </p:sp>
+      <p:cxnSp>
+        <p:nvCxnSpPr>
+          <p:cNvPr id="64" name="Straight Arrow Connector 63">
+            <a:extLst>
+              <a:ext uri="{FF2B5EF4-FFF2-40B4-BE49-F238E27FC236}">
+                <a16:creationId xmlns:a16="http://schemas.microsoft.com/office/drawing/2014/main" id="{43B41073-2153-49BE-9D8C-4AE851D99295}"/>
+              </a:ext>
+            </a:extLst>
+          </p:cNvPr>
+          <p:cNvCxnSpPr>
+            <a:cxnSpLocks/>
+            <a:stCxn id="97" idx="2"/>
+            <a:endCxn id="60" idx="0"/>
+          </p:cNvCxnSpPr>
+          <p:nvPr/>
+        </p:nvCxnSpPr>
+        <p:spPr>
+          <a:xfrm>
+            <a:off x="1773070" y="9592094"/>
+            <a:ext cx="2104" cy="761152"/>
+          </a:xfrm>
+          <a:prstGeom prst="straightConnector1">
+            <a:avLst/>
+          </a:prstGeom>
+          <a:ln>
+            <a:headEnd type="none" w="med" len="med"/>
+            <a:tailEnd type="triangle" w="med" len="med"/>
+          </a:ln>
+        </p:spPr>
+        <p:style>
+          <a:lnRef idx="1">
+            <a:schemeClr val="dk1"/>
+          </a:lnRef>
+          <a:fillRef idx="0">
+            <a:schemeClr val="dk1"/>
+          </a:fillRef>
+          <a:effectRef idx="0">
+            <a:schemeClr val="dk1"/>
+          </a:effectRef>
+          <a:fontRef idx="minor">
+            <a:schemeClr val="tx1"/>
+          </a:fontRef>
+        </p:style>
+      </p:cxnSp>
+      <p:cxnSp>
+        <p:nvCxnSpPr>
+          <p:cNvPr id="67" name="Straight Arrow Connector 66">
+            <a:extLst>
+              <a:ext uri="{FF2B5EF4-FFF2-40B4-BE49-F238E27FC236}">
+                <a16:creationId xmlns:a16="http://schemas.microsoft.com/office/drawing/2014/main" id="{A6EE45EC-FA02-4168-96F5-0E53B5F3B8F6}"/>
+              </a:ext>
+            </a:extLst>
+          </p:cNvPr>
+          <p:cNvCxnSpPr>
+            <a:cxnSpLocks/>
+            <a:stCxn id="104" idx="2"/>
+            <a:endCxn id="61" idx="0"/>
+          </p:cNvCxnSpPr>
+          <p:nvPr/>
+        </p:nvCxnSpPr>
+        <p:spPr>
+          <a:xfrm>
+            <a:off x="5391799" y="10239997"/>
+            <a:ext cx="507" cy="113245"/>
+          </a:xfrm>
+          <a:prstGeom prst="straightConnector1">
+            <a:avLst/>
+          </a:prstGeom>
+          <a:ln>
+            <a:headEnd type="none" w="med" len="med"/>
+            <a:tailEnd type="triangle" w="med" len="med"/>
+          </a:ln>
+        </p:spPr>
+        <p:style>
+          <a:lnRef idx="1">
+            <a:schemeClr val="dk1"/>
+          </a:lnRef>
+          <a:fillRef idx="0">
+            <a:schemeClr val="dk1"/>
+          </a:fillRef>
+          <a:effectRef idx="0">
+            <a:schemeClr val="dk1"/>
+          </a:effectRef>
+          <a:fontRef idx="minor">
+            <a:schemeClr val="tx1"/>
+          </a:fontRef>
+        </p:style>
+      </p:cxnSp>
+      <p:cxnSp>
+        <p:nvCxnSpPr>
+          <p:cNvPr id="12" name="Connector: Elbow 11">
+            <a:extLst>
+              <a:ext uri="{FF2B5EF4-FFF2-40B4-BE49-F238E27FC236}">
+                <a16:creationId xmlns:a16="http://schemas.microsoft.com/office/drawing/2014/main" id="{0B0389D5-F318-4EE2-8B3E-CA36A27C50EC}"/>
+              </a:ext>
+            </a:extLst>
+          </p:cNvPr>
+          <p:cNvCxnSpPr>
+            <a:stCxn id="104" idx="3"/>
+            <a:endCxn id="96" idx="0"/>
+          </p:cNvCxnSpPr>
+          <p:nvPr/>
+        </p:nvCxnSpPr>
+        <p:spPr>
+          <a:xfrm>
+            <a:off x="5907883" y="9951324"/>
+            <a:ext cx="464013" cy="517948"/>
+          </a:xfrm>
+          <a:prstGeom prst="bentConnector2">
+            <a:avLst/>
+          </a:prstGeom>
+          <a:ln>
+            <a:solidFill>
+              <a:schemeClr val="tx1"/>
+            </a:solidFill>
+            <a:tailEnd type="triangle"/>
+          </a:ln>
+        </p:spPr>
+        <p:style>
+          <a:lnRef idx="1">
+            <a:schemeClr val="accent1"/>
+          </a:lnRef>
+          <a:fillRef idx="0">
+            <a:schemeClr val="accent1"/>
+          </a:fillRef>
+          <a:effectRef idx="0">
+            <a:schemeClr val="accent1"/>
           </a:effectRef>
           <a:fontRef idx="minor">
             <a:schemeClr val="tx1"/>
@@ -6336,9 +6376,12 @@
 </file>
 
 <file path=customXml/item1.xml><?xml version="1.0" encoding="utf-8"?>
-<p:properties xmlns:p="http://schemas.microsoft.com/office/2006/metadata/properties" xmlns:xsi="http://www.w3.org/2001/XMLSchema-instance">
-  <documentManagement/>
-</p:properties>
+<?mso-contentType ?>
+<FormTemplates xmlns="http://schemas.microsoft.com/sharepoint/v3/contenttype/forms">
+  <Display>DocumentLibraryForm</Display>
+  <Edit>DocumentLibraryForm</Edit>
+  <New>DocumentLibraryForm</New>
+</FormTemplates>
 </file>
 
 <file path=customXml/item2.xml><?xml version="1.0" encoding="utf-8"?>
@@ -6391,24 +6434,15 @@
 </file>
 
 <file path=customXml/item3.xml><?xml version="1.0" encoding="utf-8"?>
-<?mso-contentType ?>
-<FormTemplates xmlns="http://schemas.microsoft.com/sharepoint/v3/contenttype/forms">
-  <Display>DocumentLibraryForm</Display>
-  <Edit>DocumentLibraryForm</Edit>
-  <New>DocumentLibraryForm</New>
-</FormTemplates>
+<p:properties xmlns:p="http://schemas.microsoft.com/office/2006/metadata/properties" xmlns:xsi="http://www.w3.org/2001/XMLSchema-instance">
+  <documentManagement/>
+</p:properties>
 </file>
 
 <file path=customXml/itemProps1.xml><?xml version="1.0" encoding="utf-8"?>
-<ds:datastoreItem xmlns:ds="http://schemas.openxmlformats.org/officeDocument/2006/customXml" ds:itemID="{AA05AFCB-176E-411D-8F54-3F7328DC8DF9}">
+<ds:datastoreItem xmlns:ds="http://schemas.openxmlformats.org/officeDocument/2006/customXml" ds:itemID="{93867DCD-913B-4BE7-B218-6A941DDB47CC}">
   <ds:schemaRefs>
-    <ds:schemaRef ds:uri="http://purl.org/dc/dcmitype/"/>
-    <ds:schemaRef ds:uri="http://www.w3.org/XML/1998/namespace"/>
-    <ds:schemaRef ds:uri="http://schemas.openxmlformats.org/package/2006/metadata/core-properties"/>
-    <ds:schemaRef ds:uri="http://schemas.microsoft.com/office/2006/documentManagement/types"/>
-    <ds:schemaRef ds:uri="http://purl.org/dc/terms/"/>
-    <ds:schemaRef ds:uri="http://schemas.microsoft.com/office/2006/metadata/properties"/>
-    <ds:schemaRef ds:uri="http://purl.org/dc/elements/1.1/"/>
+    <ds:schemaRef ds:uri="http://schemas.microsoft.com/sharepoint/v3/contenttype/forms"/>
   </ds:schemaRefs>
 </ds:datastoreItem>
 </file>
@@ -6429,9 +6463,15 @@
 </file>
 
 <file path=customXml/itemProps3.xml><?xml version="1.0" encoding="utf-8"?>
-<ds:datastoreItem xmlns:ds="http://schemas.openxmlformats.org/officeDocument/2006/customXml" ds:itemID="{93867DCD-913B-4BE7-B218-6A941DDB47CC}">
+<ds:datastoreItem xmlns:ds="http://schemas.openxmlformats.org/officeDocument/2006/customXml" ds:itemID="{AA05AFCB-176E-411D-8F54-3F7328DC8DF9}">
   <ds:schemaRefs>
-    <ds:schemaRef ds:uri="http://schemas.microsoft.com/sharepoint/v3/contenttype/forms"/>
+    <ds:schemaRef ds:uri="http://purl.org/dc/dcmitype/"/>
+    <ds:schemaRef ds:uri="http://www.w3.org/XML/1998/namespace"/>
+    <ds:schemaRef ds:uri="http://schemas.openxmlformats.org/package/2006/metadata/core-properties"/>
+    <ds:schemaRef ds:uri="http://schemas.microsoft.com/office/2006/documentManagement/types"/>
+    <ds:schemaRef ds:uri="http://purl.org/dc/terms/"/>
+    <ds:schemaRef ds:uri="http://schemas.microsoft.com/office/2006/metadata/properties"/>
+    <ds:schemaRef ds:uri="http://purl.org/dc/elements/1.1/"/>
   </ds:schemaRefs>
 </ds:datastoreItem>
 </file>